--- a/ImagesEtc/Q1-Decision-Tree.pptx
+++ b/ImagesEtc/Q1-Decision-Tree.pptx
@@ -4,8 +4,12 @@
   <p:sldMasterIdLst>
     <p:sldMasterId id="2147483648" r:id="rId1"/>
   </p:sldMasterIdLst>
+  <p:notesMasterIdLst>
+    <p:notesMasterId r:id="rId4"/>
+  </p:notesMasterIdLst>
   <p:sldIdLst>
     <p:sldId id="256" r:id="rId2"/>
+    <p:sldId id="257" r:id="rId3"/>
   </p:sldIdLst>
   <p:sldSz cx="12192000" cy="6858000"/>
   <p:notesSz cx="6858000" cy="9144000"/>
@@ -104,13 +108,18 @@
       </a:defRPr>
     </a:lvl9pPr>
   </p:defaultTextStyle>
+  <p:extLst>
+    <p:ext uri="{EFAFB233-063F-42B5-8137-9DF3F51BA10A}">
+      <p15:sldGuideLst xmlns:p15="http://schemas.microsoft.com/office/powerpoint/2012/main"/>
+    </p:ext>
+  </p:extLst>
 </p:presentation>
 </file>
 
 <file path=ppt/revisionInfo.xml><?xml version="1.0" encoding="utf-8"?>
 <p1510:revInfo xmlns:a="http://schemas.openxmlformats.org/drawingml/2006/main" xmlns:r="http://schemas.openxmlformats.org/officeDocument/2006/relationships" xmlns:p1510="http://schemas.microsoft.com/office/powerpoint/2015/10/main">
   <p1510:revLst>
-    <p1510:client id="{9016D4A7-3EF5-4F4F-AC42-11F3551585D2}" v="9" dt="2021-09-09T04:38:59.559"/>
+    <p1510:client id="{9016D4A7-3EF5-4F4F-AC42-11F3551585D2}" v="27" dt="2021-09-22T00:24:22.398"/>
   </p1510:revLst>
 </p1510:revInfo>
 </file>
@@ -120,12 +129,12 @@
   <pc:docChgLst>
     <pc:chgData name="Paul Wissler" userId="15675f06f034866b" providerId="LiveId" clId="{9016D4A7-3EF5-4F4F-AC42-11F3551585D2}"/>
     <pc:docChg chg="undo custSel addSld modSld">
-      <pc:chgData name="Paul Wissler" userId="15675f06f034866b" providerId="LiveId" clId="{9016D4A7-3EF5-4F4F-AC42-11F3551585D2}" dt="2021-09-09T04:41:05.316" v="65" actId="11529"/>
+      <pc:chgData name="Paul Wissler" userId="15675f06f034866b" providerId="LiveId" clId="{9016D4A7-3EF5-4F4F-AC42-11F3551585D2}" dt="2021-09-22T00:27:12.793" v="455" actId="1076"/>
       <pc:docMkLst>
         <pc:docMk/>
       </pc:docMkLst>
-      <pc:sldChg chg="addSp delSp modSp new mod">
-        <pc:chgData name="Paul Wissler" userId="15675f06f034866b" providerId="LiveId" clId="{9016D4A7-3EF5-4F4F-AC42-11F3551585D2}" dt="2021-09-09T04:41:05.316" v="65" actId="11529"/>
+      <pc:sldChg chg="addSp delSp modSp new mod modNotesTx">
+        <pc:chgData name="Paul Wissler" userId="15675f06f034866b" providerId="LiveId" clId="{9016D4A7-3EF5-4F4F-AC42-11F3551585D2}" dt="2021-09-22T00:27:12.793" v="455" actId="1076"/>
         <pc:sldMkLst>
           <pc:docMk/>
           <pc:sldMk cId="681272216" sldId="256"/>
@@ -147,7 +156,7 @@
           </ac:spMkLst>
         </pc:spChg>
         <pc:spChg chg="add mod">
-          <ac:chgData name="Paul Wissler" userId="15675f06f034866b" providerId="LiveId" clId="{9016D4A7-3EF5-4F4F-AC42-11F3551585D2}" dt="2021-09-09T04:40:12.011" v="57" actId="208"/>
+          <ac:chgData name="Paul Wissler" userId="15675f06f034866b" providerId="LiveId" clId="{9016D4A7-3EF5-4F4F-AC42-11F3551585D2}" dt="2021-09-22T00:24:09.302" v="360" actId="11530"/>
           <ac:spMkLst>
             <pc:docMk/>
             <pc:sldMk cId="681272216" sldId="256"/>
@@ -155,7 +164,7 @@
           </ac:spMkLst>
         </pc:spChg>
         <pc:spChg chg="add mod">
-          <ac:chgData name="Paul Wissler" userId="15675f06f034866b" providerId="LiveId" clId="{9016D4A7-3EF5-4F4F-AC42-11F3551585D2}" dt="2021-09-09T04:40:12.011" v="57" actId="208"/>
+          <ac:chgData name="Paul Wissler" userId="15675f06f034866b" providerId="LiveId" clId="{9016D4A7-3EF5-4F4F-AC42-11F3551585D2}" dt="2021-09-22T00:26:31.550" v="422" actId="1076"/>
           <ac:spMkLst>
             <pc:docMk/>
             <pc:sldMk cId="681272216" sldId="256"/>
@@ -163,7 +172,7 @@
           </ac:spMkLst>
         </pc:spChg>
         <pc:spChg chg="add mod">
-          <ac:chgData name="Paul Wissler" userId="15675f06f034866b" providerId="LiveId" clId="{9016D4A7-3EF5-4F4F-AC42-11F3551585D2}" dt="2021-09-09T04:40:12.011" v="57" actId="208"/>
+          <ac:chgData name="Paul Wissler" userId="15675f06f034866b" providerId="LiveId" clId="{9016D4A7-3EF5-4F4F-AC42-11F3551585D2}" dt="2021-09-22T00:26:13.809" v="421" actId="1076"/>
           <ac:spMkLst>
             <pc:docMk/>
             <pc:sldMk cId="681272216" sldId="256"/>
@@ -171,7 +180,7 @@
           </ac:spMkLst>
         </pc:spChg>
         <pc:spChg chg="add mod">
-          <ac:chgData name="Paul Wissler" userId="15675f06f034866b" providerId="LiveId" clId="{9016D4A7-3EF5-4F4F-AC42-11F3551585D2}" dt="2021-09-09T04:40:12.011" v="57" actId="208"/>
+          <ac:chgData name="Paul Wissler" userId="15675f06f034866b" providerId="LiveId" clId="{9016D4A7-3EF5-4F4F-AC42-11F3551585D2}" dt="2021-09-22T00:26:13.809" v="421" actId="1076"/>
           <ac:spMkLst>
             <pc:docMk/>
             <pc:sldMk cId="681272216" sldId="256"/>
@@ -179,7 +188,7 @@
           </ac:spMkLst>
         </pc:spChg>
         <pc:spChg chg="add mod">
-          <ac:chgData name="Paul Wissler" userId="15675f06f034866b" providerId="LiveId" clId="{9016D4A7-3EF5-4F4F-AC42-11F3551585D2}" dt="2021-09-09T04:40:12.011" v="57" actId="208"/>
+          <ac:chgData name="Paul Wissler" userId="15675f06f034866b" providerId="LiveId" clId="{9016D4A7-3EF5-4F4F-AC42-11F3551585D2}" dt="2021-09-22T00:26:31.550" v="422" actId="1076"/>
           <ac:spMkLst>
             <pc:docMk/>
             <pc:sldMk cId="681272216" sldId="256"/>
@@ -187,7 +196,7 @@
           </ac:spMkLst>
         </pc:spChg>
         <pc:spChg chg="add mod">
-          <ac:chgData name="Paul Wissler" userId="15675f06f034866b" providerId="LiveId" clId="{9016D4A7-3EF5-4F4F-AC42-11F3551585D2}" dt="2021-09-09T04:40:12.011" v="57" actId="208"/>
+          <ac:chgData name="Paul Wissler" userId="15675f06f034866b" providerId="LiveId" clId="{9016D4A7-3EF5-4F4F-AC42-11F3551585D2}" dt="2021-09-22T00:27:03.145" v="454" actId="1036"/>
           <ac:spMkLst>
             <pc:docMk/>
             <pc:sldMk cId="681272216" sldId="256"/>
@@ -195,7 +204,7 @@
           </ac:spMkLst>
         </pc:spChg>
         <pc:spChg chg="add mod">
-          <ac:chgData name="Paul Wissler" userId="15675f06f034866b" providerId="LiveId" clId="{9016D4A7-3EF5-4F4F-AC42-11F3551585D2}" dt="2021-09-09T04:40:12.011" v="57" actId="208"/>
+          <ac:chgData name="Paul Wissler" userId="15675f06f034866b" providerId="LiveId" clId="{9016D4A7-3EF5-4F4F-AC42-11F3551585D2}" dt="2021-09-22T00:27:12.793" v="455" actId="1076"/>
           <ac:spMkLst>
             <pc:docMk/>
             <pc:sldMk cId="681272216" sldId="256"/>
@@ -203,7 +212,7 @@
           </ac:spMkLst>
         </pc:spChg>
         <pc:spChg chg="add mod">
-          <ac:chgData name="Paul Wissler" userId="15675f06f034866b" providerId="LiveId" clId="{9016D4A7-3EF5-4F4F-AC42-11F3551585D2}" dt="2021-09-09T04:40:12.011" v="57" actId="208"/>
+          <ac:chgData name="Paul Wissler" userId="15675f06f034866b" providerId="LiveId" clId="{9016D4A7-3EF5-4F4F-AC42-11F3551585D2}" dt="2021-09-22T00:27:03.145" v="454" actId="1036"/>
           <ac:spMkLst>
             <pc:docMk/>
             <pc:sldMk cId="681272216" sldId="256"/>
@@ -211,47 +220,63 @@
           </ac:spMkLst>
         </pc:spChg>
         <pc:spChg chg="add mod">
-          <ac:chgData name="Paul Wissler" userId="15675f06f034866b" providerId="LiveId" clId="{9016D4A7-3EF5-4F4F-AC42-11F3551585D2}" dt="2021-09-09T04:40:12.011" v="57" actId="208"/>
+          <ac:chgData name="Paul Wissler" userId="15675f06f034866b" providerId="LiveId" clId="{9016D4A7-3EF5-4F4F-AC42-11F3551585D2}" dt="2021-09-22T00:27:12.793" v="455" actId="1076"/>
           <ac:spMkLst>
             <pc:docMk/>
             <pc:sldMk cId="681272216" sldId="256"/>
             <ac:spMk id="12" creationId="{5E453017-B52C-4814-BE60-0B9084DE1D3E}"/>
           </ac:spMkLst>
         </pc:spChg>
+        <pc:spChg chg="add del">
+          <ac:chgData name="Paul Wissler" userId="15675f06f034866b" providerId="LiveId" clId="{9016D4A7-3EF5-4F4F-AC42-11F3551585D2}" dt="2021-09-21T01:25:30.920" v="67" actId="22"/>
+          <ac:spMkLst>
+            <pc:docMk/>
+            <pc:sldMk cId="681272216" sldId="256"/>
+            <ac:spMk id="19" creationId="{CE748558-1534-4A64-AFEB-B624640A0CC5}"/>
+          </ac:spMkLst>
+        </pc:spChg>
         <pc:cxnChg chg="add mod">
-          <ac:chgData name="Paul Wissler" userId="15675f06f034866b" providerId="LiveId" clId="{9016D4A7-3EF5-4F4F-AC42-11F3551585D2}" dt="2021-09-09T04:40:12.011" v="57" actId="208"/>
+          <ac:chgData name="Paul Wissler" userId="15675f06f034866b" providerId="LiveId" clId="{9016D4A7-3EF5-4F4F-AC42-11F3551585D2}" dt="2021-09-22T00:26:31.550" v="422" actId="1076"/>
           <ac:cxnSpMkLst>
             <pc:docMk/>
             <pc:sldMk cId="681272216" sldId="256"/>
             <ac:cxnSpMk id="14" creationId="{B3E0C6C8-5CAD-4B96-B854-3849A1C9F535}"/>
           </ac:cxnSpMkLst>
         </pc:cxnChg>
-        <pc:cxnChg chg="add">
-          <ac:chgData name="Paul Wissler" userId="15675f06f034866b" providerId="LiveId" clId="{9016D4A7-3EF5-4F4F-AC42-11F3551585D2}" dt="2021-09-09T04:40:19.672" v="58" actId="11529"/>
+        <pc:cxnChg chg="add mod">
+          <ac:chgData name="Paul Wissler" userId="15675f06f034866b" providerId="LiveId" clId="{9016D4A7-3EF5-4F4F-AC42-11F3551585D2}" dt="2021-09-22T00:26:13.809" v="421" actId="1076"/>
           <ac:cxnSpMkLst>
             <pc:docMk/>
             <pc:sldMk cId="681272216" sldId="256"/>
             <ac:cxnSpMk id="16" creationId="{50DA9608-9D90-4FAF-9C42-65003AE11192}"/>
           </ac:cxnSpMkLst>
         </pc:cxnChg>
-        <pc:cxnChg chg="add">
-          <ac:chgData name="Paul Wissler" userId="15675f06f034866b" providerId="LiveId" clId="{9016D4A7-3EF5-4F4F-AC42-11F3551585D2}" dt="2021-09-09T04:40:27.066" v="59" actId="11529"/>
+        <pc:cxnChg chg="add mod">
+          <ac:chgData name="Paul Wissler" userId="15675f06f034866b" providerId="LiveId" clId="{9016D4A7-3EF5-4F4F-AC42-11F3551585D2}" dt="2021-09-22T00:26:31.550" v="422" actId="1076"/>
           <ac:cxnSpMkLst>
             <pc:docMk/>
             <pc:sldMk cId="681272216" sldId="256"/>
             <ac:cxnSpMk id="18" creationId="{D6FDD108-F788-494A-98A8-D4AED375C157}"/>
           </ac:cxnSpMkLst>
         </pc:cxnChg>
-        <pc:cxnChg chg="add">
-          <ac:chgData name="Paul Wissler" userId="15675f06f034866b" providerId="LiveId" clId="{9016D4A7-3EF5-4F4F-AC42-11F3551585D2}" dt="2021-09-09T04:40:32.913" v="60" actId="11529"/>
+        <pc:cxnChg chg="add mod">
+          <ac:chgData name="Paul Wissler" userId="15675f06f034866b" providerId="LiveId" clId="{9016D4A7-3EF5-4F4F-AC42-11F3551585D2}" dt="2021-09-22T00:26:13.809" v="421" actId="1076"/>
           <ac:cxnSpMkLst>
             <pc:docMk/>
             <pc:sldMk cId="681272216" sldId="256"/>
             <ac:cxnSpMk id="20" creationId="{45F5A930-753A-4E22-9EE0-88D5309B7E0B}"/>
           </ac:cxnSpMkLst>
         </pc:cxnChg>
-        <pc:cxnChg chg="add">
-          <ac:chgData name="Paul Wissler" userId="15675f06f034866b" providerId="LiveId" clId="{9016D4A7-3EF5-4F4F-AC42-11F3551585D2}" dt="2021-09-09T04:40:39.529" v="61" actId="11529"/>
+        <pc:cxnChg chg="add mod">
+          <ac:chgData name="Paul Wissler" userId="15675f06f034866b" providerId="LiveId" clId="{9016D4A7-3EF5-4F4F-AC42-11F3551585D2}" dt="2021-09-22T00:27:12.793" v="455" actId="1076"/>
+          <ac:cxnSpMkLst>
+            <pc:docMk/>
+            <pc:sldMk cId="681272216" sldId="256"/>
+            <ac:cxnSpMk id="21" creationId="{76BE4A86-1A99-438A-89F1-2892B1D348BC}"/>
+          </ac:cxnSpMkLst>
+        </pc:cxnChg>
+        <pc:cxnChg chg="add mod">
+          <ac:chgData name="Paul Wissler" userId="15675f06f034866b" providerId="LiveId" clId="{9016D4A7-3EF5-4F4F-AC42-11F3551585D2}" dt="2021-09-22T00:27:03.145" v="454" actId="1036"/>
           <ac:cxnSpMkLst>
             <pc:docMk/>
             <pc:sldMk cId="681272216" sldId="256"/>
@@ -266,16 +291,16 @@
             <ac:cxnSpMk id="24" creationId="{280CE1F1-E204-4936-BEE3-53E6B72739FB}"/>
           </ac:cxnSpMkLst>
         </pc:cxnChg>
-        <pc:cxnChg chg="add">
-          <ac:chgData name="Paul Wissler" userId="15675f06f034866b" providerId="LiveId" clId="{9016D4A7-3EF5-4F4F-AC42-11F3551585D2}" dt="2021-09-09T04:40:57.722" v="64" actId="11529"/>
+        <pc:cxnChg chg="add mod">
+          <ac:chgData name="Paul Wissler" userId="15675f06f034866b" providerId="LiveId" clId="{9016D4A7-3EF5-4F4F-AC42-11F3551585D2}" dt="2021-09-22T00:27:03.145" v="454" actId="1036"/>
           <ac:cxnSpMkLst>
             <pc:docMk/>
             <pc:sldMk cId="681272216" sldId="256"/>
             <ac:cxnSpMk id="26" creationId="{EE95F377-061D-418D-9C35-E069CDC038F0}"/>
           </ac:cxnSpMkLst>
         </pc:cxnChg>
-        <pc:cxnChg chg="add">
-          <ac:chgData name="Paul Wissler" userId="15675f06f034866b" providerId="LiveId" clId="{9016D4A7-3EF5-4F4F-AC42-11F3551585D2}" dt="2021-09-09T04:41:05.316" v="65" actId="11529"/>
+        <pc:cxnChg chg="add mod">
+          <ac:chgData name="Paul Wissler" userId="15675f06f034866b" providerId="LiveId" clId="{9016D4A7-3EF5-4F4F-AC42-11F3551585D2}" dt="2021-09-22T00:27:12.793" v="455" actId="1076"/>
           <ac:cxnSpMkLst>
             <pc:docMk/>
             <pc:sldMk cId="681272216" sldId="256"/>
@@ -283,9 +308,779 @@
           </ac:cxnSpMkLst>
         </pc:cxnChg>
       </pc:sldChg>
+      <pc:sldChg chg="addSp delSp modSp add mod modNotesTx">
+        <pc:chgData name="Paul Wissler" userId="15675f06f034866b" providerId="LiveId" clId="{9016D4A7-3EF5-4F4F-AC42-11F3551585D2}" dt="2021-09-22T00:22:55.392" v="352" actId="1076"/>
+        <pc:sldMkLst>
+          <pc:docMk/>
+          <pc:sldMk cId="2850556847" sldId="257"/>
+        </pc:sldMkLst>
+        <pc:spChg chg="mod">
+          <ac:chgData name="Paul Wissler" userId="15675f06f034866b" providerId="LiveId" clId="{9016D4A7-3EF5-4F4F-AC42-11F3551585D2}" dt="2021-09-22T00:22:38.491" v="319" actId="208"/>
+          <ac:spMkLst>
+            <pc:docMk/>
+            <pc:sldMk cId="2850556847" sldId="257"/>
+            <ac:spMk id="4" creationId="{A809CF90-AA46-46D0-943E-45B8882A573A}"/>
+          </ac:spMkLst>
+        </pc:spChg>
+        <pc:spChg chg="mod">
+          <ac:chgData name="Paul Wissler" userId="15675f06f034866b" providerId="LiveId" clId="{9016D4A7-3EF5-4F4F-AC42-11F3551585D2}" dt="2021-09-22T00:22:38.491" v="319" actId="208"/>
+          <ac:spMkLst>
+            <pc:docMk/>
+            <pc:sldMk cId="2850556847" sldId="257"/>
+            <ac:spMk id="5" creationId="{0BA93347-B28F-47DC-A285-46E6737362B7}"/>
+          </ac:spMkLst>
+        </pc:spChg>
+        <pc:spChg chg="mod">
+          <ac:chgData name="Paul Wissler" userId="15675f06f034866b" providerId="LiveId" clId="{9016D4A7-3EF5-4F4F-AC42-11F3551585D2}" dt="2021-09-22T00:22:38.491" v="319" actId="208"/>
+          <ac:spMkLst>
+            <pc:docMk/>
+            <pc:sldMk cId="2850556847" sldId="257"/>
+            <ac:spMk id="6" creationId="{2C4FDE10-A520-42CF-A1F9-B7CDB2101516}"/>
+          </ac:spMkLst>
+        </pc:spChg>
+        <pc:spChg chg="mod">
+          <ac:chgData name="Paul Wissler" userId="15675f06f034866b" providerId="LiveId" clId="{9016D4A7-3EF5-4F4F-AC42-11F3551585D2}" dt="2021-09-22T00:22:38.491" v="319" actId="208"/>
+          <ac:spMkLst>
+            <pc:docMk/>
+            <pc:sldMk cId="2850556847" sldId="257"/>
+            <ac:spMk id="7" creationId="{6C1D5E50-94AA-4672-B84D-0235CC04A3E6}"/>
+          </ac:spMkLst>
+        </pc:spChg>
+        <pc:spChg chg="mod">
+          <ac:chgData name="Paul Wissler" userId="15675f06f034866b" providerId="LiveId" clId="{9016D4A7-3EF5-4F4F-AC42-11F3551585D2}" dt="2021-09-22T00:22:38.491" v="319" actId="208"/>
+          <ac:spMkLst>
+            <pc:docMk/>
+            <pc:sldMk cId="2850556847" sldId="257"/>
+            <ac:spMk id="8" creationId="{44642F20-CDAD-4572-A84D-096BCD34EE0F}"/>
+          </ac:spMkLst>
+        </pc:spChg>
+        <pc:spChg chg="mod">
+          <ac:chgData name="Paul Wissler" userId="15675f06f034866b" providerId="LiveId" clId="{9016D4A7-3EF5-4F4F-AC42-11F3551585D2}" dt="2021-09-22T00:22:55.392" v="352" actId="1076"/>
+          <ac:spMkLst>
+            <pc:docMk/>
+            <pc:sldMk cId="2850556847" sldId="257"/>
+            <ac:spMk id="9" creationId="{BC84C89C-725D-4B2C-82C2-DBC1FE9D768D}"/>
+          </ac:spMkLst>
+        </pc:spChg>
+        <pc:spChg chg="mod">
+          <ac:chgData name="Paul Wissler" userId="15675f06f034866b" providerId="LiveId" clId="{9016D4A7-3EF5-4F4F-AC42-11F3551585D2}" dt="2021-09-22T00:22:38.491" v="319" actId="208"/>
+          <ac:spMkLst>
+            <pc:docMk/>
+            <pc:sldMk cId="2850556847" sldId="257"/>
+            <ac:spMk id="10" creationId="{58048752-FCF6-427F-B04E-D4DEADADC0A4}"/>
+          </ac:spMkLst>
+        </pc:spChg>
+        <pc:spChg chg="mod">
+          <ac:chgData name="Paul Wissler" userId="15675f06f034866b" providerId="LiveId" clId="{9016D4A7-3EF5-4F4F-AC42-11F3551585D2}" dt="2021-09-22T00:22:50.596" v="351" actId="1036"/>
+          <ac:spMkLst>
+            <pc:docMk/>
+            <pc:sldMk cId="2850556847" sldId="257"/>
+            <ac:spMk id="11" creationId="{5E158CD3-EDC4-49E2-9C06-8509DCDAC6B3}"/>
+          </ac:spMkLst>
+        </pc:spChg>
+        <pc:spChg chg="mod">
+          <ac:chgData name="Paul Wissler" userId="15675f06f034866b" providerId="LiveId" clId="{9016D4A7-3EF5-4F4F-AC42-11F3551585D2}" dt="2021-09-22T00:22:38.491" v="319" actId="208"/>
+          <ac:spMkLst>
+            <pc:docMk/>
+            <pc:sldMk cId="2850556847" sldId="257"/>
+            <ac:spMk id="12" creationId="{5E453017-B52C-4814-BE60-0B9084DE1D3E}"/>
+          </ac:spMkLst>
+        </pc:spChg>
+        <pc:spChg chg="add mod">
+          <ac:chgData name="Paul Wissler" userId="15675f06f034866b" providerId="LiveId" clId="{9016D4A7-3EF5-4F4F-AC42-11F3551585D2}" dt="2021-09-22T00:22:38.491" v="319" actId="208"/>
+          <ac:spMkLst>
+            <pc:docMk/>
+            <pc:sldMk cId="2850556847" sldId="257"/>
+            <ac:spMk id="19" creationId="{25BBF9AF-6055-43FC-A830-B0C7AE52A777}"/>
+          </ac:spMkLst>
+        </pc:spChg>
+        <pc:spChg chg="add mod">
+          <ac:chgData name="Paul Wissler" userId="15675f06f034866b" providerId="LiveId" clId="{9016D4A7-3EF5-4F4F-AC42-11F3551585D2}" dt="2021-09-22T00:22:38.491" v="319" actId="208"/>
+          <ac:spMkLst>
+            <pc:docMk/>
+            <pc:sldMk cId="2850556847" sldId="257"/>
+            <ac:spMk id="21" creationId="{0CFF2B99-AC00-4F8F-AA0B-5BEF32D98DDC}"/>
+          </ac:spMkLst>
+        </pc:spChg>
+        <pc:spChg chg="add mod">
+          <ac:chgData name="Paul Wissler" userId="15675f06f034866b" providerId="LiveId" clId="{9016D4A7-3EF5-4F4F-AC42-11F3551585D2}" dt="2021-09-22T00:22:38.491" v="319" actId="208"/>
+          <ac:spMkLst>
+            <pc:docMk/>
+            <pc:sldMk cId="2850556847" sldId="257"/>
+            <ac:spMk id="23" creationId="{74E35447-F0CF-4DFA-8BC1-996D3E3C8494}"/>
+          </ac:spMkLst>
+        </pc:spChg>
+        <pc:spChg chg="add mod">
+          <ac:chgData name="Paul Wissler" userId="15675f06f034866b" providerId="LiveId" clId="{9016D4A7-3EF5-4F4F-AC42-11F3551585D2}" dt="2021-09-22T00:22:38.491" v="319" actId="208"/>
+          <ac:spMkLst>
+            <pc:docMk/>
+            <pc:sldMk cId="2850556847" sldId="257"/>
+            <ac:spMk id="24" creationId="{2BAAD965-CA22-4AC5-9EF5-A1EBB8C571E2}"/>
+          </ac:spMkLst>
+        </pc:spChg>
+        <pc:spChg chg="add mod">
+          <ac:chgData name="Paul Wissler" userId="15675f06f034866b" providerId="LiveId" clId="{9016D4A7-3EF5-4F4F-AC42-11F3551585D2}" dt="2021-09-22T00:22:38.491" v="319" actId="208"/>
+          <ac:spMkLst>
+            <pc:docMk/>
+            <pc:sldMk cId="2850556847" sldId="257"/>
+            <ac:spMk id="25" creationId="{80FC74BC-58F9-4214-8A1E-A9DB1539DCE5}"/>
+          </ac:spMkLst>
+        </pc:spChg>
+        <pc:spChg chg="add mod">
+          <ac:chgData name="Paul Wissler" userId="15675f06f034866b" providerId="LiveId" clId="{9016D4A7-3EF5-4F4F-AC42-11F3551585D2}" dt="2021-09-22T00:22:38.491" v="319" actId="208"/>
+          <ac:spMkLst>
+            <pc:docMk/>
+            <pc:sldMk cId="2850556847" sldId="257"/>
+            <ac:spMk id="53" creationId="{D95A7CD5-BA25-41D3-ABCC-FFA3606DDB5F}"/>
+          </ac:spMkLst>
+        </pc:spChg>
+        <pc:spChg chg="add del">
+          <ac:chgData name="Paul Wissler" userId="15675f06f034866b" providerId="LiveId" clId="{9016D4A7-3EF5-4F4F-AC42-11F3551585D2}" dt="2021-09-22T00:17:16.202" v="266" actId="11529"/>
+          <ac:spMkLst>
+            <pc:docMk/>
+            <pc:sldMk cId="2850556847" sldId="257"/>
+            <ac:spMk id="57" creationId="{1E6D5565-0ACD-4BD0-8C06-46CAAAFE7D71}"/>
+          </ac:spMkLst>
+        </pc:spChg>
+        <pc:cxnChg chg="mod">
+          <ac:chgData name="Paul Wissler" userId="15675f06f034866b" providerId="LiveId" clId="{9016D4A7-3EF5-4F4F-AC42-11F3551585D2}" dt="2021-09-22T00:22:38.491" v="319" actId="208"/>
+          <ac:cxnSpMkLst>
+            <pc:docMk/>
+            <pc:sldMk cId="2850556847" sldId="257"/>
+            <ac:cxnSpMk id="14" creationId="{B3E0C6C8-5CAD-4B96-B854-3849A1C9F535}"/>
+          </ac:cxnSpMkLst>
+        </pc:cxnChg>
+        <pc:cxnChg chg="mod">
+          <ac:chgData name="Paul Wissler" userId="15675f06f034866b" providerId="LiveId" clId="{9016D4A7-3EF5-4F4F-AC42-11F3551585D2}" dt="2021-09-22T00:22:38.491" v="319" actId="208"/>
+          <ac:cxnSpMkLst>
+            <pc:docMk/>
+            <pc:sldMk cId="2850556847" sldId="257"/>
+            <ac:cxnSpMk id="16" creationId="{50DA9608-9D90-4FAF-9C42-65003AE11192}"/>
+          </ac:cxnSpMkLst>
+        </pc:cxnChg>
+        <pc:cxnChg chg="mod">
+          <ac:chgData name="Paul Wissler" userId="15675f06f034866b" providerId="LiveId" clId="{9016D4A7-3EF5-4F4F-AC42-11F3551585D2}" dt="2021-09-22T00:22:38.491" v="319" actId="208"/>
+          <ac:cxnSpMkLst>
+            <pc:docMk/>
+            <pc:sldMk cId="2850556847" sldId="257"/>
+            <ac:cxnSpMk id="18" creationId="{D6FDD108-F788-494A-98A8-D4AED375C157}"/>
+          </ac:cxnSpMkLst>
+        </pc:cxnChg>
+        <pc:cxnChg chg="mod">
+          <ac:chgData name="Paul Wissler" userId="15675f06f034866b" providerId="LiveId" clId="{9016D4A7-3EF5-4F4F-AC42-11F3551585D2}" dt="2021-09-22T00:22:38.491" v="319" actId="208"/>
+          <ac:cxnSpMkLst>
+            <pc:docMk/>
+            <pc:sldMk cId="2850556847" sldId="257"/>
+            <ac:cxnSpMk id="20" creationId="{45F5A930-753A-4E22-9EE0-88D5309B7E0B}"/>
+          </ac:cxnSpMkLst>
+        </pc:cxnChg>
+        <pc:cxnChg chg="mod">
+          <ac:chgData name="Paul Wissler" userId="15675f06f034866b" providerId="LiveId" clId="{9016D4A7-3EF5-4F4F-AC42-11F3551585D2}" dt="2021-09-22T00:22:55.392" v="352" actId="1076"/>
+          <ac:cxnSpMkLst>
+            <pc:docMk/>
+            <pc:sldMk cId="2850556847" sldId="257"/>
+            <ac:cxnSpMk id="22" creationId="{EBF76B53-6F29-42A2-ADD1-F0269D1256C0}"/>
+          </ac:cxnSpMkLst>
+        </pc:cxnChg>
+        <pc:cxnChg chg="mod">
+          <ac:chgData name="Paul Wissler" userId="15675f06f034866b" providerId="LiveId" clId="{9016D4A7-3EF5-4F4F-AC42-11F3551585D2}" dt="2021-09-22T00:22:55.392" v="352" actId="1076"/>
+          <ac:cxnSpMkLst>
+            <pc:docMk/>
+            <pc:sldMk cId="2850556847" sldId="257"/>
+            <ac:cxnSpMk id="26" creationId="{EE95F377-061D-418D-9C35-E069CDC038F0}"/>
+          </ac:cxnSpMkLst>
+        </pc:cxnChg>
+        <pc:cxnChg chg="add mod">
+          <ac:chgData name="Paul Wissler" userId="15675f06f034866b" providerId="LiveId" clId="{9016D4A7-3EF5-4F4F-AC42-11F3551585D2}" dt="2021-09-22T00:22:38.491" v="319" actId="208"/>
+          <ac:cxnSpMkLst>
+            <pc:docMk/>
+            <pc:sldMk cId="2850556847" sldId="257"/>
+            <ac:cxnSpMk id="27" creationId="{F7F6B7A5-CD98-4E71-B5AE-B590E2D7EF8F}"/>
+          </ac:cxnSpMkLst>
+        </pc:cxnChg>
+        <pc:cxnChg chg="mod">
+          <ac:chgData name="Paul Wissler" userId="15675f06f034866b" providerId="LiveId" clId="{9016D4A7-3EF5-4F4F-AC42-11F3551585D2}" dt="2021-09-22T00:22:38.491" v="319" actId="208"/>
+          <ac:cxnSpMkLst>
+            <pc:docMk/>
+            <pc:sldMk cId="2850556847" sldId="257"/>
+            <ac:cxnSpMk id="28" creationId="{9F7DF7E9-8022-4B16-A8FB-5055911F0165}"/>
+          </ac:cxnSpMkLst>
+        </pc:cxnChg>
+        <pc:cxnChg chg="add mod">
+          <ac:chgData name="Paul Wissler" userId="15675f06f034866b" providerId="LiveId" clId="{9016D4A7-3EF5-4F4F-AC42-11F3551585D2}" dt="2021-09-22T00:22:38.491" v="319" actId="208"/>
+          <ac:cxnSpMkLst>
+            <pc:docMk/>
+            <pc:sldMk cId="2850556847" sldId="257"/>
+            <ac:cxnSpMk id="29" creationId="{A1787964-C1E8-41C8-9A0D-B9D7BAB9E2A1}"/>
+          </ac:cxnSpMkLst>
+        </pc:cxnChg>
+        <pc:cxnChg chg="add mod">
+          <ac:chgData name="Paul Wissler" userId="15675f06f034866b" providerId="LiveId" clId="{9016D4A7-3EF5-4F4F-AC42-11F3551585D2}" dt="2021-09-22T00:22:38.491" v="319" actId="208"/>
+          <ac:cxnSpMkLst>
+            <pc:docMk/>
+            <pc:sldMk cId="2850556847" sldId="257"/>
+            <ac:cxnSpMk id="30" creationId="{FCAEFFEA-A3D3-4631-91BC-AC31F24AA8BB}"/>
+          </ac:cxnSpMkLst>
+        </pc:cxnChg>
+        <pc:cxnChg chg="add mod">
+          <ac:chgData name="Paul Wissler" userId="15675f06f034866b" providerId="LiveId" clId="{9016D4A7-3EF5-4F4F-AC42-11F3551585D2}" dt="2021-09-22T00:22:38.491" v="319" actId="208"/>
+          <ac:cxnSpMkLst>
+            <pc:docMk/>
+            <pc:sldMk cId="2850556847" sldId="257"/>
+            <ac:cxnSpMk id="31" creationId="{F26F838B-D9D3-4C08-84C0-1AF6AFCA0059}"/>
+          </ac:cxnSpMkLst>
+        </pc:cxnChg>
+        <pc:cxnChg chg="add mod">
+          <ac:chgData name="Paul Wissler" userId="15675f06f034866b" providerId="LiveId" clId="{9016D4A7-3EF5-4F4F-AC42-11F3551585D2}" dt="2021-09-22T00:22:38.491" v="319" actId="208"/>
+          <ac:cxnSpMkLst>
+            <pc:docMk/>
+            <pc:sldMk cId="2850556847" sldId="257"/>
+            <ac:cxnSpMk id="32" creationId="{D5E45A45-473F-4FC7-9EFD-A50B61F0767C}"/>
+          </ac:cxnSpMkLst>
+        </pc:cxnChg>
+        <pc:cxnChg chg="add mod">
+          <ac:chgData name="Paul Wissler" userId="15675f06f034866b" providerId="LiveId" clId="{9016D4A7-3EF5-4F4F-AC42-11F3551585D2}" dt="2021-09-22T00:22:38.491" v="319" actId="208"/>
+          <ac:cxnSpMkLst>
+            <pc:docMk/>
+            <pc:sldMk cId="2850556847" sldId="257"/>
+            <ac:cxnSpMk id="42" creationId="{6F0E5980-B39E-474D-835C-EC5062F0A6D1}"/>
+          </ac:cxnSpMkLst>
+        </pc:cxnChg>
+        <pc:cxnChg chg="add mod">
+          <ac:chgData name="Paul Wissler" userId="15675f06f034866b" providerId="LiveId" clId="{9016D4A7-3EF5-4F4F-AC42-11F3551585D2}" dt="2021-09-22T00:22:38.491" v="319" actId="208"/>
+          <ac:cxnSpMkLst>
+            <pc:docMk/>
+            <pc:sldMk cId="2850556847" sldId="257"/>
+            <ac:cxnSpMk id="49" creationId="{DEFFF479-156D-47B5-8BE2-DD6BC5F2AE2F}"/>
+          </ac:cxnSpMkLst>
+        </pc:cxnChg>
+      </pc:sldChg>
     </pc:docChg>
   </pc:docChgLst>
 </pc:chgInfo>
+</file>
+
+<file path=ppt/notesMasters/notesMaster1.xml><?xml version="1.0" encoding="utf-8"?>
+<p:notesMaster xmlns:a="http://schemas.openxmlformats.org/drawingml/2006/main" xmlns:r="http://schemas.openxmlformats.org/officeDocument/2006/relationships" xmlns:p="http://schemas.openxmlformats.org/presentationml/2006/main">
+  <p:cSld>
+    <p:bg>
+      <p:bgRef idx="1001">
+        <a:schemeClr val="bg1"/>
+      </p:bgRef>
+    </p:bg>
+    <p:spTree>
+      <p:nvGrpSpPr>
+        <p:cNvPr id="1" name=""/>
+        <p:cNvGrpSpPr/>
+        <p:nvPr/>
+      </p:nvGrpSpPr>
+      <p:grpSpPr>
+        <a:xfrm>
+          <a:off x="0" y="0"/>
+          <a:ext cx="0" cy="0"/>
+          <a:chOff x="0" y="0"/>
+          <a:chExt cx="0" cy="0"/>
+        </a:xfrm>
+      </p:grpSpPr>
+      <p:sp>
+        <p:nvSpPr>
+          <p:cNvPr id="2" name="Header Placeholder 1"/>
+          <p:cNvSpPr>
+            <a:spLocks noGrp="1"/>
+          </p:cNvSpPr>
+          <p:nvPr>
+            <p:ph type="hdr" sz="quarter"/>
+          </p:nvPr>
+        </p:nvSpPr>
+        <p:spPr>
+          <a:xfrm>
+            <a:off x="0" y="0"/>
+            <a:ext cx="2971800" cy="458788"/>
+          </a:xfrm>
+          <a:prstGeom prst="rect">
+            <a:avLst/>
+          </a:prstGeom>
+        </p:spPr>
+        <p:txBody>
+          <a:bodyPr vert="horz" lIns="91440" tIns="45720" rIns="91440" bIns="45720" rtlCol="0"/>
+          <a:lstStyle>
+            <a:lvl1pPr algn="l">
+              <a:defRPr sz="1200"/>
+            </a:lvl1pPr>
+          </a:lstStyle>
+          <a:p>
+            <a:endParaRPr lang="en-US"/>
+          </a:p>
+        </p:txBody>
+      </p:sp>
+      <p:sp>
+        <p:nvSpPr>
+          <p:cNvPr id="3" name="Date Placeholder 2"/>
+          <p:cNvSpPr>
+            <a:spLocks noGrp="1"/>
+          </p:cNvSpPr>
+          <p:nvPr>
+            <p:ph type="dt" idx="1"/>
+          </p:nvPr>
+        </p:nvSpPr>
+        <p:spPr>
+          <a:xfrm>
+            <a:off x="3884613" y="0"/>
+            <a:ext cx="2971800" cy="458788"/>
+          </a:xfrm>
+          <a:prstGeom prst="rect">
+            <a:avLst/>
+          </a:prstGeom>
+        </p:spPr>
+        <p:txBody>
+          <a:bodyPr vert="horz" lIns="91440" tIns="45720" rIns="91440" bIns="45720" rtlCol="0"/>
+          <a:lstStyle>
+            <a:lvl1pPr algn="r">
+              <a:defRPr sz="1200"/>
+            </a:lvl1pPr>
+          </a:lstStyle>
+          <a:p>
+            <a:fld id="{F8C624E5-F0C2-4BA3-B6D0-C467F207580A}" type="datetimeFigureOut">
+              <a:rPr lang="en-US" smtClean="0"/>
+              <a:t>9/20/2021</a:t>
+            </a:fld>
+            <a:endParaRPr lang="en-US"/>
+          </a:p>
+        </p:txBody>
+      </p:sp>
+      <p:sp>
+        <p:nvSpPr>
+          <p:cNvPr id="4" name="Slide Image Placeholder 3"/>
+          <p:cNvSpPr>
+            <a:spLocks noGrp="1" noRot="1" noChangeAspect="1"/>
+          </p:cNvSpPr>
+          <p:nvPr>
+            <p:ph type="sldImg" idx="2"/>
+          </p:nvPr>
+        </p:nvSpPr>
+        <p:spPr>
+          <a:xfrm>
+            <a:off x="685800" y="1143000"/>
+            <a:ext cx="5486400" cy="3086100"/>
+          </a:xfrm>
+          <a:prstGeom prst="rect">
+            <a:avLst/>
+          </a:prstGeom>
+          <a:noFill/>
+          <a:ln w="12700">
+            <a:solidFill>
+              <a:prstClr val="black"/>
+            </a:solidFill>
+          </a:ln>
+        </p:spPr>
+        <p:txBody>
+          <a:bodyPr vert="horz" lIns="91440" tIns="45720" rIns="91440" bIns="45720" rtlCol="0" anchor="ctr"/>
+          <a:lstStyle/>
+          <a:p>
+            <a:endParaRPr lang="en-US"/>
+          </a:p>
+        </p:txBody>
+      </p:sp>
+      <p:sp>
+        <p:nvSpPr>
+          <p:cNvPr id="5" name="Notes Placeholder 4"/>
+          <p:cNvSpPr>
+            <a:spLocks noGrp="1"/>
+          </p:cNvSpPr>
+          <p:nvPr>
+            <p:ph type="body" sz="quarter" idx="3"/>
+          </p:nvPr>
+        </p:nvSpPr>
+        <p:spPr>
+          <a:xfrm>
+            <a:off x="685800" y="4400550"/>
+            <a:ext cx="5486400" cy="3600450"/>
+          </a:xfrm>
+          <a:prstGeom prst="rect">
+            <a:avLst/>
+          </a:prstGeom>
+        </p:spPr>
+        <p:txBody>
+          <a:bodyPr vert="horz" lIns="91440" tIns="45720" rIns="91440" bIns="45720" rtlCol="0"/>
+          <a:lstStyle/>
+          <a:p>
+            <a:pPr lvl="0"/>
+            <a:r>
+              <a:rPr lang="en-US"/>
+              <a:t>Click to edit Master text styles</a:t>
+            </a:r>
+          </a:p>
+          <a:p>
+            <a:pPr lvl="1"/>
+            <a:r>
+              <a:rPr lang="en-US"/>
+              <a:t>Second level</a:t>
+            </a:r>
+          </a:p>
+          <a:p>
+            <a:pPr lvl="2"/>
+            <a:r>
+              <a:rPr lang="en-US"/>
+              <a:t>Third level</a:t>
+            </a:r>
+          </a:p>
+          <a:p>
+            <a:pPr lvl="3"/>
+            <a:r>
+              <a:rPr lang="en-US"/>
+              <a:t>Fourth level</a:t>
+            </a:r>
+          </a:p>
+          <a:p>
+            <a:pPr lvl="4"/>
+            <a:r>
+              <a:rPr lang="en-US"/>
+              <a:t>Fifth level</a:t>
+            </a:r>
+          </a:p>
+        </p:txBody>
+      </p:sp>
+      <p:sp>
+        <p:nvSpPr>
+          <p:cNvPr id="6" name="Footer Placeholder 5"/>
+          <p:cNvSpPr>
+            <a:spLocks noGrp="1"/>
+          </p:cNvSpPr>
+          <p:nvPr>
+            <p:ph type="ftr" sz="quarter" idx="4"/>
+          </p:nvPr>
+        </p:nvSpPr>
+        <p:spPr>
+          <a:xfrm>
+            <a:off x="0" y="8685213"/>
+            <a:ext cx="2971800" cy="458787"/>
+          </a:xfrm>
+          <a:prstGeom prst="rect">
+            <a:avLst/>
+          </a:prstGeom>
+        </p:spPr>
+        <p:txBody>
+          <a:bodyPr vert="horz" lIns="91440" tIns="45720" rIns="91440" bIns="45720" rtlCol="0" anchor="b"/>
+          <a:lstStyle>
+            <a:lvl1pPr algn="l">
+              <a:defRPr sz="1200"/>
+            </a:lvl1pPr>
+          </a:lstStyle>
+          <a:p>
+            <a:endParaRPr lang="en-US"/>
+          </a:p>
+        </p:txBody>
+      </p:sp>
+      <p:sp>
+        <p:nvSpPr>
+          <p:cNvPr id="7" name="Slide Number Placeholder 6"/>
+          <p:cNvSpPr>
+            <a:spLocks noGrp="1"/>
+          </p:cNvSpPr>
+          <p:nvPr>
+            <p:ph type="sldNum" sz="quarter" idx="5"/>
+          </p:nvPr>
+        </p:nvSpPr>
+        <p:spPr>
+          <a:xfrm>
+            <a:off x="3884613" y="8685213"/>
+            <a:ext cx="2971800" cy="458787"/>
+          </a:xfrm>
+          <a:prstGeom prst="rect">
+            <a:avLst/>
+          </a:prstGeom>
+        </p:spPr>
+        <p:txBody>
+          <a:bodyPr vert="horz" lIns="91440" tIns="45720" rIns="91440" bIns="45720" rtlCol="0" anchor="b"/>
+          <a:lstStyle>
+            <a:lvl1pPr algn="r">
+              <a:defRPr sz="1200"/>
+            </a:lvl1pPr>
+          </a:lstStyle>
+          <a:p>
+            <a:fld id="{BB11BD49-BF42-43D4-8435-963A7CAE76A6}" type="slidenum">
+              <a:rPr lang="en-US" smtClean="0"/>
+              <a:t>‹#›</a:t>
+            </a:fld>
+            <a:endParaRPr lang="en-US"/>
+          </a:p>
+        </p:txBody>
+      </p:sp>
+    </p:spTree>
+    <p:extLst>
+      <p:ext uri="{BB962C8B-B14F-4D97-AF65-F5344CB8AC3E}">
+        <p14:creationId xmlns:p14="http://schemas.microsoft.com/office/powerpoint/2010/main" val="530668243"/>
+      </p:ext>
+    </p:extLst>
+  </p:cSld>
+  <p:clrMap bg1="lt1" tx1="dk1" bg2="lt2" tx2="dk2" accent1="accent1" accent2="accent2" accent3="accent3" accent4="accent4" accent5="accent5" accent6="accent6" hlink="hlink" folHlink="folHlink"/>
+  <p:notesStyle>
+    <a:lvl1pPr marL="0" algn="l" defTabSz="914400" rtl="0" eaLnBrk="1" latinLnBrk="0" hangingPunct="1">
+      <a:defRPr sz="1200" kern="1200">
+        <a:solidFill>
+          <a:schemeClr val="tx1"/>
+        </a:solidFill>
+        <a:latin typeface="+mn-lt"/>
+        <a:ea typeface="+mn-ea"/>
+        <a:cs typeface="+mn-cs"/>
+      </a:defRPr>
+    </a:lvl1pPr>
+    <a:lvl2pPr marL="457200" algn="l" defTabSz="914400" rtl="0" eaLnBrk="1" latinLnBrk="0" hangingPunct="1">
+      <a:defRPr sz="1200" kern="1200">
+        <a:solidFill>
+          <a:schemeClr val="tx1"/>
+        </a:solidFill>
+        <a:latin typeface="+mn-lt"/>
+        <a:ea typeface="+mn-ea"/>
+        <a:cs typeface="+mn-cs"/>
+      </a:defRPr>
+    </a:lvl2pPr>
+    <a:lvl3pPr marL="914400" algn="l" defTabSz="914400" rtl="0" eaLnBrk="1" latinLnBrk="0" hangingPunct="1">
+      <a:defRPr sz="1200" kern="1200">
+        <a:solidFill>
+          <a:schemeClr val="tx1"/>
+        </a:solidFill>
+        <a:latin typeface="+mn-lt"/>
+        <a:ea typeface="+mn-ea"/>
+        <a:cs typeface="+mn-cs"/>
+      </a:defRPr>
+    </a:lvl3pPr>
+    <a:lvl4pPr marL="1371600" algn="l" defTabSz="914400" rtl="0" eaLnBrk="1" latinLnBrk="0" hangingPunct="1">
+      <a:defRPr sz="1200" kern="1200">
+        <a:solidFill>
+          <a:schemeClr val="tx1"/>
+        </a:solidFill>
+        <a:latin typeface="+mn-lt"/>
+        <a:ea typeface="+mn-ea"/>
+        <a:cs typeface="+mn-cs"/>
+      </a:defRPr>
+    </a:lvl4pPr>
+    <a:lvl5pPr marL="1828800" algn="l" defTabSz="914400" rtl="0" eaLnBrk="1" latinLnBrk="0" hangingPunct="1">
+      <a:defRPr sz="1200" kern="1200">
+        <a:solidFill>
+          <a:schemeClr val="tx1"/>
+        </a:solidFill>
+        <a:latin typeface="+mn-lt"/>
+        <a:ea typeface="+mn-ea"/>
+        <a:cs typeface="+mn-cs"/>
+      </a:defRPr>
+    </a:lvl5pPr>
+    <a:lvl6pPr marL="2286000" algn="l" defTabSz="914400" rtl="0" eaLnBrk="1" latinLnBrk="0" hangingPunct="1">
+      <a:defRPr sz="1200" kern="1200">
+        <a:solidFill>
+          <a:schemeClr val="tx1"/>
+        </a:solidFill>
+        <a:latin typeface="+mn-lt"/>
+        <a:ea typeface="+mn-ea"/>
+        <a:cs typeface="+mn-cs"/>
+      </a:defRPr>
+    </a:lvl6pPr>
+    <a:lvl7pPr marL="2743200" algn="l" defTabSz="914400" rtl="0" eaLnBrk="1" latinLnBrk="0" hangingPunct="1">
+      <a:defRPr sz="1200" kern="1200">
+        <a:solidFill>
+          <a:schemeClr val="tx1"/>
+        </a:solidFill>
+        <a:latin typeface="+mn-lt"/>
+        <a:ea typeface="+mn-ea"/>
+        <a:cs typeface="+mn-cs"/>
+      </a:defRPr>
+    </a:lvl7pPr>
+    <a:lvl8pPr marL="3200400" algn="l" defTabSz="914400" rtl="0" eaLnBrk="1" latinLnBrk="0" hangingPunct="1">
+      <a:defRPr sz="1200" kern="1200">
+        <a:solidFill>
+          <a:schemeClr val="tx1"/>
+        </a:solidFill>
+        <a:latin typeface="+mn-lt"/>
+        <a:ea typeface="+mn-ea"/>
+        <a:cs typeface="+mn-cs"/>
+      </a:defRPr>
+    </a:lvl8pPr>
+    <a:lvl9pPr marL="3657600" algn="l" defTabSz="914400" rtl="0" eaLnBrk="1" latinLnBrk="0" hangingPunct="1">
+      <a:defRPr sz="1200" kern="1200">
+        <a:solidFill>
+          <a:schemeClr val="tx1"/>
+        </a:solidFill>
+        <a:latin typeface="+mn-lt"/>
+        <a:ea typeface="+mn-ea"/>
+        <a:cs typeface="+mn-cs"/>
+      </a:defRPr>
+    </a:lvl9pPr>
+  </p:notesStyle>
+</p:notesMaster>
+</file>
+
+<file path=ppt/notesSlides/notesSlide1.xml><?xml version="1.0" encoding="utf-8"?>
+<p:notes xmlns:a="http://schemas.openxmlformats.org/drawingml/2006/main" xmlns:r="http://schemas.openxmlformats.org/officeDocument/2006/relationships" xmlns:p="http://schemas.openxmlformats.org/presentationml/2006/main">
+  <p:cSld>
+    <p:spTree>
+      <p:nvGrpSpPr>
+        <p:cNvPr id="1" name=""/>
+        <p:cNvGrpSpPr/>
+        <p:nvPr/>
+      </p:nvGrpSpPr>
+      <p:grpSpPr>
+        <a:xfrm>
+          <a:off x="0" y="0"/>
+          <a:ext cx="0" cy="0"/>
+          <a:chOff x="0" y="0"/>
+          <a:chExt cx="0" cy="0"/>
+        </a:xfrm>
+      </p:grpSpPr>
+      <p:sp>
+        <p:nvSpPr>
+          <p:cNvPr id="2" name="Slide Image Placeholder 1"/>
+          <p:cNvSpPr>
+            <a:spLocks noGrp="1" noRot="1" noChangeAspect="1"/>
+          </p:cNvSpPr>
+          <p:nvPr>
+            <p:ph type="sldImg"/>
+          </p:nvPr>
+        </p:nvSpPr>
+        <p:spPr/>
+      </p:sp>
+      <p:sp>
+        <p:nvSpPr>
+          <p:cNvPr id="3" name="Notes Placeholder 2"/>
+          <p:cNvSpPr>
+            <a:spLocks noGrp="1"/>
+          </p:cNvSpPr>
+          <p:nvPr>
+            <p:ph type="body" idx="1"/>
+          </p:nvPr>
+        </p:nvSpPr>
+        <p:spPr/>
+        <p:txBody>
+          <a:bodyPr/>
+          <a:lstStyle/>
+          <a:p>
+            <a:r>
+              <a:rPr lang="en-US" dirty="0"/>
+              <a:t>Q1a</a:t>
+            </a:r>
+          </a:p>
+        </p:txBody>
+      </p:sp>
+      <p:sp>
+        <p:nvSpPr>
+          <p:cNvPr id="4" name="Slide Number Placeholder 3"/>
+          <p:cNvSpPr>
+            <a:spLocks noGrp="1"/>
+          </p:cNvSpPr>
+          <p:nvPr>
+            <p:ph type="sldNum" sz="quarter" idx="5"/>
+          </p:nvPr>
+        </p:nvSpPr>
+        <p:spPr/>
+        <p:txBody>
+          <a:bodyPr/>
+          <a:lstStyle/>
+          <a:p>
+            <a:fld id="{BB11BD49-BF42-43D4-8435-963A7CAE76A6}" type="slidenum">
+              <a:rPr lang="en-US" smtClean="0"/>
+              <a:t>1</a:t>
+            </a:fld>
+            <a:endParaRPr lang="en-US"/>
+          </a:p>
+        </p:txBody>
+      </p:sp>
+    </p:spTree>
+    <p:extLst>
+      <p:ext uri="{BB962C8B-B14F-4D97-AF65-F5344CB8AC3E}">
+        <p14:creationId xmlns:p14="http://schemas.microsoft.com/office/powerpoint/2010/main" val="3636424515"/>
+      </p:ext>
+    </p:extLst>
+  </p:cSld>
+  <p:clrMapOvr>
+    <a:masterClrMapping/>
+  </p:clrMapOvr>
+</p:notes>
+</file>
+
+<file path=ppt/notesSlides/notesSlide2.xml><?xml version="1.0" encoding="utf-8"?>
+<p:notes xmlns:a="http://schemas.openxmlformats.org/drawingml/2006/main" xmlns:r="http://schemas.openxmlformats.org/officeDocument/2006/relationships" xmlns:p="http://schemas.openxmlformats.org/presentationml/2006/main">
+  <p:cSld>
+    <p:spTree>
+      <p:nvGrpSpPr>
+        <p:cNvPr id="1" name=""/>
+        <p:cNvGrpSpPr/>
+        <p:nvPr/>
+      </p:nvGrpSpPr>
+      <p:grpSpPr>
+        <a:xfrm>
+          <a:off x="0" y="0"/>
+          <a:ext cx="0" cy="0"/>
+          <a:chOff x="0" y="0"/>
+          <a:chExt cx="0" cy="0"/>
+        </a:xfrm>
+      </p:grpSpPr>
+      <p:sp>
+        <p:nvSpPr>
+          <p:cNvPr id="2" name="Slide Image Placeholder 1"/>
+          <p:cNvSpPr>
+            <a:spLocks noGrp="1" noRot="1" noChangeAspect="1"/>
+          </p:cNvSpPr>
+          <p:nvPr>
+            <p:ph type="sldImg"/>
+          </p:nvPr>
+        </p:nvSpPr>
+        <p:spPr/>
+      </p:sp>
+      <p:sp>
+        <p:nvSpPr>
+          <p:cNvPr id="3" name="Notes Placeholder 2"/>
+          <p:cNvSpPr>
+            <a:spLocks noGrp="1"/>
+          </p:cNvSpPr>
+          <p:nvPr>
+            <p:ph type="body" idx="1"/>
+          </p:nvPr>
+        </p:nvSpPr>
+        <p:spPr/>
+        <p:txBody>
+          <a:bodyPr/>
+          <a:lstStyle/>
+          <a:p>
+            <a:r>
+              <a:rPr lang="en-US" dirty="0"/>
+              <a:t>Q2a/b (same for both, so just make one), also Q3d</a:t>
+            </a:r>
+          </a:p>
+        </p:txBody>
+      </p:sp>
+      <p:sp>
+        <p:nvSpPr>
+          <p:cNvPr id="4" name="Slide Number Placeholder 3"/>
+          <p:cNvSpPr>
+            <a:spLocks noGrp="1"/>
+          </p:cNvSpPr>
+          <p:nvPr>
+            <p:ph type="sldNum" sz="quarter" idx="5"/>
+          </p:nvPr>
+        </p:nvSpPr>
+        <p:spPr/>
+        <p:txBody>
+          <a:bodyPr/>
+          <a:lstStyle/>
+          <a:p>
+            <a:fld id="{BB11BD49-BF42-43D4-8435-963A7CAE76A6}" type="slidenum">
+              <a:rPr lang="en-US" smtClean="0"/>
+              <a:t>2</a:t>
+            </a:fld>
+            <a:endParaRPr lang="en-US"/>
+          </a:p>
+        </p:txBody>
+      </p:sp>
+    </p:spTree>
+    <p:extLst>
+      <p:ext uri="{BB962C8B-B14F-4D97-AF65-F5344CB8AC3E}">
+        <p14:creationId xmlns:p14="http://schemas.microsoft.com/office/powerpoint/2010/main" val="1522441167"/>
+      </p:ext>
+    </p:extLst>
+  </p:cSld>
+  <p:clrMapOvr>
+    <a:masterClrMapping/>
+  </p:clrMapOvr>
+</p:notes>
 </file>
 
 <file path=ppt/slideLayouts/slideLayout1.xml><?xml version="1.0" encoding="utf-8"?>
@@ -435,7 +1230,7 @@
           <a:p>
             <a:fld id="{79248617-75F9-4AEB-8A40-DCCE88B5A369}" type="datetimeFigureOut">
               <a:rPr lang="en-US" smtClean="0"/>
-              <a:t>9/8/2021</a:t>
+              <a:t>9/20/2021</a:t>
             </a:fld>
             <a:endParaRPr lang="en-US"/>
           </a:p>
@@ -633,7 +1428,7 @@
           <a:p>
             <a:fld id="{79248617-75F9-4AEB-8A40-DCCE88B5A369}" type="datetimeFigureOut">
               <a:rPr lang="en-US" smtClean="0"/>
-              <a:t>9/8/2021</a:t>
+              <a:t>9/20/2021</a:t>
             </a:fld>
             <a:endParaRPr lang="en-US"/>
           </a:p>
@@ -841,7 +1636,7 @@
           <a:p>
             <a:fld id="{79248617-75F9-4AEB-8A40-DCCE88B5A369}" type="datetimeFigureOut">
               <a:rPr lang="en-US" smtClean="0"/>
-              <a:t>9/8/2021</a:t>
+              <a:t>9/20/2021</a:t>
             </a:fld>
             <a:endParaRPr lang="en-US"/>
           </a:p>
@@ -1039,7 +1834,7 @@
           <a:p>
             <a:fld id="{79248617-75F9-4AEB-8A40-DCCE88B5A369}" type="datetimeFigureOut">
               <a:rPr lang="en-US" smtClean="0"/>
-              <a:t>9/8/2021</a:t>
+              <a:t>9/20/2021</a:t>
             </a:fld>
             <a:endParaRPr lang="en-US"/>
           </a:p>
@@ -1314,7 +2109,7 @@
           <a:p>
             <a:fld id="{79248617-75F9-4AEB-8A40-DCCE88B5A369}" type="datetimeFigureOut">
               <a:rPr lang="en-US" smtClean="0"/>
-              <a:t>9/8/2021</a:t>
+              <a:t>9/20/2021</a:t>
             </a:fld>
             <a:endParaRPr lang="en-US"/>
           </a:p>
@@ -1579,7 +2374,7 @@
           <a:p>
             <a:fld id="{79248617-75F9-4AEB-8A40-DCCE88B5A369}" type="datetimeFigureOut">
               <a:rPr lang="en-US" smtClean="0"/>
-              <a:t>9/8/2021</a:t>
+              <a:t>9/20/2021</a:t>
             </a:fld>
             <a:endParaRPr lang="en-US"/>
           </a:p>
@@ -1991,7 +2786,7 @@
           <a:p>
             <a:fld id="{79248617-75F9-4AEB-8A40-DCCE88B5A369}" type="datetimeFigureOut">
               <a:rPr lang="en-US" smtClean="0"/>
-              <a:t>9/8/2021</a:t>
+              <a:t>9/20/2021</a:t>
             </a:fld>
             <a:endParaRPr lang="en-US"/>
           </a:p>
@@ -2132,7 +2927,7 @@
           <a:p>
             <a:fld id="{79248617-75F9-4AEB-8A40-DCCE88B5A369}" type="datetimeFigureOut">
               <a:rPr lang="en-US" smtClean="0"/>
-              <a:t>9/8/2021</a:t>
+              <a:t>9/20/2021</a:t>
             </a:fld>
             <a:endParaRPr lang="en-US"/>
           </a:p>
@@ -2245,7 +3040,7 @@
           <a:p>
             <a:fld id="{79248617-75F9-4AEB-8A40-DCCE88B5A369}" type="datetimeFigureOut">
               <a:rPr lang="en-US" smtClean="0"/>
-              <a:t>9/8/2021</a:t>
+              <a:t>9/20/2021</a:t>
             </a:fld>
             <a:endParaRPr lang="en-US"/>
           </a:p>
@@ -2556,7 +3351,7 @@
           <a:p>
             <a:fld id="{79248617-75F9-4AEB-8A40-DCCE88B5A369}" type="datetimeFigureOut">
               <a:rPr lang="en-US" smtClean="0"/>
-              <a:t>9/8/2021</a:t>
+              <a:t>9/20/2021</a:t>
             </a:fld>
             <a:endParaRPr lang="en-US"/>
           </a:p>
@@ -2844,7 +3639,7 @@
           <a:p>
             <a:fld id="{79248617-75F9-4AEB-8A40-DCCE88B5A369}" type="datetimeFigureOut">
               <a:rPr lang="en-US" smtClean="0"/>
-              <a:t>9/8/2021</a:t>
+              <a:t>9/20/2021</a:t>
             </a:fld>
             <a:endParaRPr lang="en-US"/>
           </a:p>
@@ -3085,7 +3880,7 @@
           <a:p>
             <a:fld id="{79248617-75F9-4AEB-8A40-DCCE88B5A369}" type="datetimeFigureOut">
               <a:rPr lang="en-US" smtClean="0"/>
-              <a:t>9/8/2021</a:t>
+              <a:t>9/20/2021</a:t>
             </a:fld>
             <a:endParaRPr lang="en-US"/>
           </a:p>
@@ -3517,7 +4312,47 @@
         <p:spPr>
           <a:xfrm>
             <a:off x="5257800" y="685800"/>
-            <a:ext cx="421910" cy="369332"/>
+            <a:ext cx="593286" cy="519351"/>
+          </a:xfrm>
+          <a:prstGeom prst="flowChartConnector">
+            <a:avLst/>
+          </a:prstGeom>
+          <a:noFill/>
+          <a:ln>
+            <a:solidFill>
+              <a:schemeClr val="tx1"/>
+            </a:solidFill>
+          </a:ln>
+        </p:spPr>
+        <p:txBody>
+          <a:bodyPr wrap="none" rtlCol="0">
+            <a:spAutoFit/>
+          </a:bodyPr>
+          <a:lstStyle/>
+          <a:p>
+            <a:r>
+              <a:rPr lang="en-US" dirty="0"/>
+              <a:t>X2</a:t>
+            </a:r>
+          </a:p>
+        </p:txBody>
+      </p:sp>
+      <p:sp>
+        <p:nvSpPr>
+          <p:cNvPr id="5" name="TextBox 4">
+            <a:extLst>
+              <a:ext uri="{FF2B5EF4-FFF2-40B4-BE49-F238E27FC236}">
+                <a16:creationId xmlns:a16="http://schemas.microsoft.com/office/drawing/2014/main" id="{0BA93347-B28F-47DC-A285-46E6737362B7}"/>
+              </a:ext>
+            </a:extLst>
+          </p:cNvPr>
+          <p:cNvSpPr txBox="1"/>
+          <p:nvPr/>
+        </p:nvSpPr>
+        <p:spPr>
+          <a:xfrm>
+            <a:off x="4536219" y="1442543"/>
+            <a:ext cx="301686" cy="369332"/>
           </a:xfrm>
           <a:prstGeom prst="rect">
             <a:avLst/>
@@ -3537,17 +4372,17 @@
           <a:p>
             <a:r>
               <a:rPr lang="en-US" dirty="0"/>
-              <a:t>X2</a:t>
-            </a:r>
-          </a:p>
-        </p:txBody>
-      </p:sp>
-      <p:sp>
-        <p:nvSpPr>
-          <p:cNvPr id="5" name="TextBox 4">
-            <a:extLst>
-              <a:ext uri="{FF2B5EF4-FFF2-40B4-BE49-F238E27FC236}">
-                <a16:creationId xmlns:a16="http://schemas.microsoft.com/office/drawing/2014/main" id="{0BA93347-B28F-47DC-A285-46E6737362B7}"/>
+              <a:t>0</a:t>
+            </a:r>
+          </a:p>
+        </p:txBody>
+      </p:sp>
+      <p:sp>
+        <p:nvSpPr>
+          <p:cNvPr id="6" name="TextBox 5">
+            <a:extLst>
+              <a:ext uri="{FF2B5EF4-FFF2-40B4-BE49-F238E27FC236}">
+                <a16:creationId xmlns:a16="http://schemas.microsoft.com/office/drawing/2014/main" id="{2C4FDE10-A520-42CF-A1F9-B7CDB2101516}"/>
               </a:ext>
             </a:extLst>
           </p:cNvPr>
@@ -3556,7 +4391,7 @@
         </p:nvSpPr>
         <p:spPr>
           <a:xfrm>
-            <a:off x="4855779" y="1442543"/>
+            <a:off x="6383862" y="1442543"/>
             <a:ext cx="301686" cy="369332"/>
           </a:xfrm>
           <a:prstGeom prst="rect">
@@ -3577,17 +4412,17 @@
           <a:p>
             <a:r>
               <a:rPr lang="en-US" dirty="0"/>
-              <a:t>0</a:t>
-            </a:r>
-          </a:p>
-        </p:txBody>
-      </p:sp>
-      <p:sp>
-        <p:nvSpPr>
-          <p:cNvPr id="6" name="TextBox 5">
-            <a:extLst>
-              <a:ext uri="{FF2B5EF4-FFF2-40B4-BE49-F238E27FC236}">
-                <a16:creationId xmlns:a16="http://schemas.microsoft.com/office/drawing/2014/main" id="{2C4FDE10-A520-42CF-A1F9-B7CDB2101516}"/>
+              <a:t>1</a:t>
+            </a:r>
+          </a:p>
+        </p:txBody>
+      </p:sp>
+      <p:sp>
+        <p:nvSpPr>
+          <p:cNvPr id="7" name="TextBox 6">
+            <a:extLst>
+              <a:ext uri="{FF2B5EF4-FFF2-40B4-BE49-F238E27FC236}">
+                <a16:creationId xmlns:a16="http://schemas.microsoft.com/office/drawing/2014/main" id="{6C1D5E50-94AA-4672-B84D-0235CC04A3E6}"/>
               </a:ext>
             </a:extLst>
           </p:cNvPr>
@@ -3596,7 +4431,87 @@
         </p:nvSpPr>
         <p:spPr>
           <a:xfrm>
-            <a:off x="5684478" y="1442543"/>
+            <a:off x="6096000" y="2158260"/>
+            <a:ext cx="877409" cy="369332"/>
+          </a:xfrm>
+          <a:prstGeom prst="flowChartPreparation">
+            <a:avLst/>
+          </a:prstGeom>
+          <a:noFill/>
+          <a:ln>
+            <a:solidFill>
+              <a:schemeClr val="tx1"/>
+            </a:solidFill>
+          </a:ln>
+        </p:spPr>
+        <p:txBody>
+          <a:bodyPr wrap="none" rtlCol="0">
+            <a:spAutoFit/>
+          </a:bodyPr>
+          <a:lstStyle/>
+          <a:p>
+            <a:r>
+              <a:rPr lang="en-US" dirty="0"/>
+              <a:t>Y=0</a:t>
+            </a:r>
+          </a:p>
+        </p:txBody>
+      </p:sp>
+      <p:sp>
+        <p:nvSpPr>
+          <p:cNvPr id="8" name="TextBox 7">
+            <a:extLst>
+              <a:ext uri="{FF2B5EF4-FFF2-40B4-BE49-F238E27FC236}">
+                <a16:creationId xmlns:a16="http://schemas.microsoft.com/office/drawing/2014/main" id="{44642F20-CDAD-4572-A84D-096BCD34EE0F}"/>
+              </a:ext>
+            </a:extLst>
+          </p:cNvPr>
+          <p:cNvSpPr txBox="1"/>
+          <p:nvPr/>
+        </p:nvSpPr>
+        <p:spPr>
+          <a:xfrm>
+            <a:off x="4385376" y="2061918"/>
+            <a:ext cx="593286" cy="519351"/>
+          </a:xfrm>
+          <a:prstGeom prst="flowChartConnector">
+            <a:avLst/>
+          </a:prstGeom>
+          <a:noFill/>
+          <a:ln>
+            <a:solidFill>
+              <a:schemeClr val="tx1"/>
+            </a:solidFill>
+          </a:ln>
+        </p:spPr>
+        <p:txBody>
+          <a:bodyPr wrap="none" rtlCol="0">
+            <a:spAutoFit/>
+          </a:bodyPr>
+          <a:lstStyle/>
+          <a:p>
+            <a:r>
+              <a:rPr lang="en-US" dirty="0"/>
+              <a:t>X4</a:t>
+            </a:r>
+          </a:p>
+        </p:txBody>
+      </p:sp>
+      <p:sp>
+        <p:nvSpPr>
+          <p:cNvPr id="9" name="TextBox 8">
+            <a:extLst>
+              <a:ext uri="{FF2B5EF4-FFF2-40B4-BE49-F238E27FC236}">
+                <a16:creationId xmlns:a16="http://schemas.microsoft.com/office/drawing/2014/main" id="{BC84C89C-725D-4B2C-82C2-DBC1FE9D768D}"/>
+              </a:ext>
+            </a:extLst>
+          </p:cNvPr>
+          <p:cNvSpPr txBox="1"/>
+          <p:nvPr/>
+        </p:nvSpPr>
+        <p:spPr>
+          <a:xfrm>
+            <a:off x="3635106" y="3010945"/>
             <a:ext cx="301686" cy="369332"/>
           </a:xfrm>
           <a:prstGeom prst="rect">
@@ -3617,17 +4532,17 @@
           <a:p>
             <a:r>
               <a:rPr lang="en-US" dirty="0"/>
-              <a:t>1</a:t>
-            </a:r>
-          </a:p>
-        </p:txBody>
-      </p:sp>
-      <p:sp>
-        <p:nvSpPr>
-          <p:cNvPr id="7" name="TextBox 6">
-            <a:extLst>
-              <a:ext uri="{FF2B5EF4-FFF2-40B4-BE49-F238E27FC236}">
-                <a16:creationId xmlns:a16="http://schemas.microsoft.com/office/drawing/2014/main" id="{6C1D5E50-94AA-4672-B84D-0235CC04A3E6}"/>
+              <a:t>0</a:t>
+            </a:r>
+          </a:p>
+        </p:txBody>
+      </p:sp>
+      <p:sp>
+        <p:nvSpPr>
+          <p:cNvPr id="10" name="TextBox 9">
+            <a:extLst>
+              <a:ext uri="{FF2B5EF4-FFF2-40B4-BE49-F238E27FC236}">
+                <a16:creationId xmlns:a16="http://schemas.microsoft.com/office/drawing/2014/main" id="{58048752-FCF6-427F-B04E-D4DEADADC0A4}"/>
               </a:ext>
             </a:extLst>
           </p:cNvPr>
@@ -3636,8 +4551,8 @@
         </p:nvSpPr>
         <p:spPr>
           <a:xfrm>
-            <a:off x="5679710" y="2061918"/>
-            <a:ext cx="529312" cy="369332"/>
+            <a:off x="5388770" y="3010945"/>
+            <a:ext cx="301686" cy="369332"/>
           </a:xfrm>
           <a:prstGeom prst="rect">
             <a:avLst/>
@@ -3657,17 +4572,17 @@
           <a:p>
             <a:r>
               <a:rPr lang="en-US" dirty="0"/>
-              <a:t>Y=0</a:t>
-            </a:r>
-          </a:p>
-        </p:txBody>
-      </p:sp>
-      <p:sp>
-        <p:nvSpPr>
-          <p:cNvPr id="8" name="TextBox 7">
-            <a:extLst>
-              <a:ext uri="{FF2B5EF4-FFF2-40B4-BE49-F238E27FC236}">
-                <a16:creationId xmlns:a16="http://schemas.microsoft.com/office/drawing/2014/main" id="{44642F20-CDAD-4572-A84D-096BCD34EE0F}"/>
+              <a:t>1</a:t>
+            </a:r>
+          </a:p>
+        </p:txBody>
+      </p:sp>
+      <p:sp>
+        <p:nvSpPr>
+          <p:cNvPr id="11" name="TextBox 10">
+            <a:extLst>
+              <a:ext uri="{FF2B5EF4-FFF2-40B4-BE49-F238E27FC236}">
+                <a16:creationId xmlns:a16="http://schemas.microsoft.com/office/drawing/2014/main" id="{5E158CD3-EDC4-49E2-9C06-8509DCDAC6B3}"/>
               </a:ext>
             </a:extLst>
           </p:cNvPr>
@@ -3676,10 +4591,10 @@
         </p:nvSpPr>
         <p:spPr>
           <a:xfrm>
-            <a:off x="4704936" y="2061918"/>
-            <a:ext cx="421910" cy="369332"/>
-          </a:xfrm>
-          <a:prstGeom prst="rect">
+            <a:off x="3347245" y="3553698"/>
+            <a:ext cx="877409" cy="369332"/>
+          </a:xfrm>
+          <a:prstGeom prst="flowChartPreparation">
             <a:avLst/>
           </a:prstGeom>
           <a:noFill/>
@@ -3697,17 +4612,17 @@
           <a:p>
             <a:r>
               <a:rPr lang="en-US" dirty="0"/>
-              <a:t>X4</a:t>
-            </a:r>
-          </a:p>
-        </p:txBody>
-      </p:sp>
-      <p:sp>
-        <p:nvSpPr>
-          <p:cNvPr id="9" name="TextBox 8">
-            <a:extLst>
-              <a:ext uri="{FF2B5EF4-FFF2-40B4-BE49-F238E27FC236}">
-                <a16:creationId xmlns:a16="http://schemas.microsoft.com/office/drawing/2014/main" id="{BC84C89C-725D-4B2C-82C2-DBC1FE9D768D}"/>
+              <a:t>Y=0</a:t>
+            </a:r>
+          </a:p>
+        </p:txBody>
+      </p:sp>
+      <p:sp>
+        <p:nvSpPr>
+          <p:cNvPr id="12" name="TextBox 11">
+            <a:extLst>
+              <a:ext uri="{FF2B5EF4-FFF2-40B4-BE49-F238E27FC236}">
+                <a16:creationId xmlns:a16="http://schemas.microsoft.com/office/drawing/2014/main" id="{5E453017-B52C-4814-BE60-0B9084DE1D3E}"/>
               </a:ext>
             </a:extLst>
           </p:cNvPr>
@@ -3716,10 +4631,10 @@
         </p:nvSpPr>
         <p:spPr>
           <a:xfrm>
-            <a:off x="4413274" y="2692538"/>
-            <a:ext cx="301686" cy="369332"/>
-          </a:xfrm>
-          <a:prstGeom prst="rect">
+            <a:off x="5104647" y="3553698"/>
+            <a:ext cx="877409" cy="369332"/>
+          </a:xfrm>
+          <a:prstGeom prst="flowChartPreparation">
             <a:avLst/>
           </a:prstGeom>
           <a:noFill/>
@@ -3737,126 +4652,6 @@
           <a:p>
             <a:r>
               <a:rPr lang="en-US" dirty="0"/>
-              <a:t>0</a:t>
-            </a:r>
-          </a:p>
-        </p:txBody>
-      </p:sp>
-      <p:sp>
-        <p:nvSpPr>
-          <p:cNvPr id="10" name="TextBox 9">
-            <a:extLst>
-              <a:ext uri="{FF2B5EF4-FFF2-40B4-BE49-F238E27FC236}">
-                <a16:creationId xmlns:a16="http://schemas.microsoft.com/office/drawing/2014/main" id="{58048752-FCF6-427F-B04E-D4DEADADC0A4}"/>
-              </a:ext>
-            </a:extLst>
-          </p:cNvPr>
-          <p:cNvSpPr txBox="1"/>
-          <p:nvPr/>
-        </p:nvSpPr>
-        <p:spPr>
-          <a:xfrm>
-            <a:off x="5137975" y="2692538"/>
-            <a:ext cx="301686" cy="369332"/>
-          </a:xfrm>
-          <a:prstGeom prst="rect">
-            <a:avLst/>
-          </a:prstGeom>
-          <a:noFill/>
-          <a:ln>
-            <a:solidFill>
-              <a:schemeClr val="tx1"/>
-            </a:solidFill>
-          </a:ln>
-        </p:spPr>
-        <p:txBody>
-          <a:bodyPr wrap="none" rtlCol="0">
-            <a:spAutoFit/>
-          </a:bodyPr>
-          <a:lstStyle/>
-          <a:p>
-            <a:r>
-              <a:rPr lang="en-US" dirty="0"/>
-              <a:t>1</a:t>
-            </a:r>
-          </a:p>
-        </p:txBody>
-      </p:sp>
-      <p:sp>
-        <p:nvSpPr>
-          <p:cNvPr id="11" name="TextBox 10">
-            <a:extLst>
-              <a:ext uri="{FF2B5EF4-FFF2-40B4-BE49-F238E27FC236}">
-                <a16:creationId xmlns:a16="http://schemas.microsoft.com/office/drawing/2014/main" id="{5E158CD3-EDC4-49E2-9C06-8509DCDAC6B3}"/>
-              </a:ext>
-            </a:extLst>
-          </p:cNvPr>
-          <p:cNvSpPr txBox="1"/>
-          <p:nvPr/>
-        </p:nvSpPr>
-        <p:spPr>
-          <a:xfrm>
-            <a:off x="3883962" y="3197036"/>
-            <a:ext cx="529312" cy="369332"/>
-          </a:xfrm>
-          <a:prstGeom prst="rect">
-            <a:avLst/>
-          </a:prstGeom>
-          <a:noFill/>
-          <a:ln>
-            <a:solidFill>
-              <a:schemeClr val="tx1"/>
-            </a:solidFill>
-          </a:ln>
-        </p:spPr>
-        <p:txBody>
-          <a:bodyPr wrap="none" rtlCol="0">
-            <a:spAutoFit/>
-          </a:bodyPr>
-          <a:lstStyle/>
-          <a:p>
-            <a:r>
-              <a:rPr lang="en-US" dirty="0"/>
-              <a:t>Y=0</a:t>
-            </a:r>
-          </a:p>
-        </p:txBody>
-      </p:sp>
-      <p:sp>
-        <p:nvSpPr>
-          <p:cNvPr id="12" name="TextBox 11">
-            <a:extLst>
-              <a:ext uri="{FF2B5EF4-FFF2-40B4-BE49-F238E27FC236}">
-                <a16:creationId xmlns:a16="http://schemas.microsoft.com/office/drawing/2014/main" id="{5E453017-B52C-4814-BE60-0B9084DE1D3E}"/>
-              </a:ext>
-            </a:extLst>
-          </p:cNvPr>
-          <p:cNvSpPr txBox="1"/>
-          <p:nvPr/>
-        </p:nvSpPr>
-        <p:spPr>
-          <a:xfrm>
-            <a:off x="5319895" y="3197036"/>
-            <a:ext cx="529312" cy="369332"/>
-          </a:xfrm>
-          <a:prstGeom prst="rect">
-            <a:avLst/>
-          </a:prstGeom>
-          <a:noFill/>
-          <a:ln>
-            <a:solidFill>
-              <a:schemeClr val="tx1"/>
-            </a:solidFill>
-          </a:ln>
-        </p:spPr>
-        <p:txBody>
-          <a:bodyPr wrap="none" rtlCol="0">
-            <a:spAutoFit/>
-          </a:bodyPr>
-          <a:lstStyle/>
-          <a:p>
-            <a:r>
-              <a:rPr lang="en-US" dirty="0"/>
               <a:t>Y=1</a:t>
             </a:r>
           </a:p>
@@ -3872,15 +4667,16 @@
             </a:extLst>
           </p:cNvPr>
           <p:cNvCxnSpPr>
-            <a:stCxn id="4" idx="2"/>
+            <a:cxnSpLocks/>
+            <a:stCxn id="4" idx="4"/>
             <a:endCxn id="5" idx="0"/>
           </p:cNvCxnSpPr>
           <p:nvPr/>
         </p:nvCxnSpPr>
         <p:spPr>
           <a:xfrm flipH="1">
-            <a:off x="5006622" y="1055132"/>
-            <a:ext cx="462133" cy="387411"/>
+            <a:off x="4687062" y="1205151"/>
+            <a:ext cx="867381" cy="237392"/>
           </a:xfrm>
           <a:prstGeom prst="line">
             <a:avLst/>
@@ -3916,19 +4712,25 @@
             </a:extLst>
           </p:cNvPr>
           <p:cNvCxnSpPr>
-            <a:stCxn id="4" idx="2"/>
+            <a:cxnSpLocks/>
+            <a:stCxn id="4" idx="4"/>
             <a:endCxn id="6" idx="0"/>
           </p:cNvCxnSpPr>
           <p:nvPr/>
         </p:nvCxnSpPr>
         <p:spPr>
           <a:xfrm>
-            <a:off x="5468755" y="1055132"/>
-            <a:ext cx="366566" cy="387411"/>
+            <a:off x="5554443" y="1205151"/>
+            <a:ext cx="980262" cy="237392"/>
           </a:xfrm>
           <a:prstGeom prst="line">
             <a:avLst/>
           </a:prstGeom>
+          <a:ln>
+            <a:solidFill>
+              <a:schemeClr val="tx1"/>
+            </a:solidFill>
+          </a:ln>
         </p:spPr>
         <p:style>
           <a:lnRef idx="1">
@@ -3955,6 +4757,7 @@
             </a:extLst>
           </p:cNvPr>
           <p:cNvCxnSpPr>
+            <a:cxnSpLocks/>
             <a:stCxn id="5" idx="2"/>
             <a:endCxn id="8" idx="0"/>
           </p:cNvCxnSpPr>
@@ -3962,12 +4765,17 @@
         </p:nvCxnSpPr>
         <p:spPr>
           <a:xfrm flipH="1">
-            <a:off x="4915891" y="1811875"/>
-            <a:ext cx="90731" cy="250043"/>
+            <a:off x="4682019" y="1811875"/>
+            <a:ext cx="5043" cy="250043"/>
           </a:xfrm>
           <a:prstGeom prst="line">
             <a:avLst/>
           </a:prstGeom>
+          <a:ln>
+            <a:solidFill>
+              <a:schemeClr val="tx1"/>
+            </a:solidFill>
+          </a:ln>
         </p:spPr>
         <p:style>
           <a:lnRef idx="1">
@@ -3994,6 +4802,7 @@
             </a:extLst>
           </p:cNvPr>
           <p:cNvCxnSpPr>
+            <a:cxnSpLocks/>
             <a:stCxn id="6" idx="2"/>
             <a:endCxn id="7" idx="0"/>
           </p:cNvCxnSpPr>
@@ -4001,12 +4810,17 @@
         </p:nvCxnSpPr>
         <p:spPr>
           <a:xfrm>
-            <a:off x="5835321" y="1811875"/>
-            <a:ext cx="109045" cy="250043"/>
+            <a:off x="6534705" y="1811875"/>
+            <a:ext cx="0" cy="346385"/>
           </a:xfrm>
           <a:prstGeom prst="line">
             <a:avLst/>
           </a:prstGeom>
+          <a:ln>
+            <a:solidFill>
+              <a:schemeClr val="tx1"/>
+            </a:solidFill>
+          </a:ln>
         </p:spPr>
         <p:style>
           <a:lnRef idx="1">
@@ -4033,19 +4847,25 @@
             </a:extLst>
           </p:cNvPr>
           <p:cNvCxnSpPr>
-            <a:stCxn id="8" idx="2"/>
+            <a:cxnSpLocks/>
+            <a:stCxn id="8" idx="4"/>
             <a:endCxn id="9" idx="0"/>
           </p:cNvCxnSpPr>
           <p:nvPr/>
         </p:nvCxnSpPr>
         <p:spPr>
           <a:xfrm flipH="1">
-            <a:off x="4564117" y="2431250"/>
-            <a:ext cx="351774" cy="261288"/>
+            <a:off x="3785949" y="2581269"/>
+            <a:ext cx="896070" cy="429676"/>
           </a:xfrm>
           <a:prstGeom prst="line">
             <a:avLst/>
           </a:prstGeom>
+          <a:ln>
+            <a:solidFill>
+              <a:schemeClr val="tx1"/>
+            </a:solidFill>
+          </a:ln>
         </p:spPr>
         <p:style>
           <a:lnRef idx="1">
@@ -4072,19 +4892,25 @@
             </a:extLst>
           </p:cNvPr>
           <p:cNvCxnSpPr>
+            <a:cxnSpLocks/>
             <a:stCxn id="9" idx="2"/>
             <a:endCxn id="11" idx="0"/>
           </p:cNvCxnSpPr>
           <p:nvPr/>
         </p:nvCxnSpPr>
         <p:spPr>
-          <a:xfrm flipH="1">
-            <a:off x="4148618" y="3061870"/>
-            <a:ext cx="415499" cy="135166"/>
+          <a:xfrm>
+            <a:off x="3785949" y="3380277"/>
+            <a:ext cx="1" cy="173421"/>
           </a:xfrm>
           <a:prstGeom prst="line">
             <a:avLst/>
           </a:prstGeom>
+          <a:ln>
+            <a:solidFill>
+              <a:schemeClr val="tx1"/>
+            </a:solidFill>
+          </a:ln>
         </p:spPr>
         <p:style>
           <a:lnRef idx="1">
@@ -4111,6 +4937,7 @@
             </a:extLst>
           </p:cNvPr>
           <p:cNvCxnSpPr>
+            <a:cxnSpLocks/>
             <a:stCxn id="10" idx="2"/>
             <a:endCxn id="12" idx="0"/>
           </p:cNvCxnSpPr>
@@ -4118,12 +4945,62 @@
         </p:nvCxnSpPr>
         <p:spPr>
           <a:xfrm>
-            <a:off x="5288818" y="3061870"/>
-            <a:ext cx="295733" cy="135166"/>
+            <a:off x="5539613" y="3380277"/>
+            <a:ext cx="3739" cy="173421"/>
           </a:xfrm>
           <a:prstGeom prst="line">
             <a:avLst/>
           </a:prstGeom>
+          <a:ln>
+            <a:solidFill>
+              <a:schemeClr val="tx1"/>
+            </a:solidFill>
+          </a:ln>
+        </p:spPr>
+        <p:style>
+          <a:lnRef idx="1">
+            <a:schemeClr val="accent1"/>
+          </a:lnRef>
+          <a:fillRef idx="0">
+            <a:schemeClr val="accent1"/>
+          </a:fillRef>
+          <a:effectRef idx="0">
+            <a:schemeClr val="accent1"/>
+          </a:effectRef>
+          <a:fontRef idx="minor">
+            <a:schemeClr val="tx1"/>
+          </a:fontRef>
+        </p:style>
+      </p:cxnSp>
+      <p:cxnSp>
+        <p:nvCxnSpPr>
+          <p:cNvPr id="21" name="Straight Connector 20">
+            <a:extLst>
+              <a:ext uri="{FF2B5EF4-FFF2-40B4-BE49-F238E27FC236}">
+                <a16:creationId xmlns:a16="http://schemas.microsoft.com/office/drawing/2014/main" id="{76BE4A86-1A99-438A-89F1-2892B1D348BC}"/>
+              </a:ext>
+            </a:extLst>
+          </p:cNvPr>
+          <p:cNvCxnSpPr>
+            <a:cxnSpLocks/>
+            <a:stCxn id="8" idx="4"/>
+            <a:endCxn id="10" idx="0"/>
+          </p:cNvCxnSpPr>
+          <p:nvPr/>
+        </p:nvCxnSpPr>
+        <p:spPr>
+          <a:xfrm>
+            <a:off x="4682019" y="2581269"/>
+            <a:ext cx="857594" cy="429676"/>
+          </a:xfrm>
+          <a:prstGeom prst="line">
+            <a:avLst/>
+          </a:prstGeom>
+          <a:ln>
+            <a:solidFill>
+              <a:schemeClr val="tx1"/>
+            </a:solidFill>
+          </a:ln>
         </p:spPr>
         <p:style>
           <a:lnRef idx="1">
@@ -4144,6 +5021,1266 @@
     <p:extLst>
       <p:ext uri="{BB962C8B-B14F-4D97-AF65-F5344CB8AC3E}">
         <p14:creationId xmlns:p14="http://schemas.microsoft.com/office/powerpoint/2010/main" val="681272216"/>
+      </p:ext>
+    </p:extLst>
+  </p:cSld>
+  <p:clrMapOvr>
+    <a:masterClrMapping/>
+  </p:clrMapOvr>
+</p:sld>
+</file>
+
+<file path=ppt/slides/slide2.xml><?xml version="1.0" encoding="utf-8"?>
+<p:sld xmlns:a="http://schemas.openxmlformats.org/drawingml/2006/main" xmlns:r="http://schemas.openxmlformats.org/officeDocument/2006/relationships" xmlns:p="http://schemas.openxmlformats.org/presentationml/2006/main">
+  <p:cSld>
+    <p:spTree>
+      <p:nvGrpSpPr>
+        <p:cNvPr id="1" name=""/>
+        <p:cNvGrpSpPr/>
+        <p:nvPr/>
+      </p:nvGrpSpPr>
+      <p:grpSpPr>
+        <a:xfrm>
+          <a:off x="0" y="0"/>
+          <a:ext cx="0" cy="0"/>
+          <a:chOff x="0" y="0"/>
+          <a:chExt cx="0" cy="0"/>
+        </a:xfrm>
+      </p:grpSpPr>
+      <p:sp>
+        <p:nvSpPr>
+          <p:cNvPr id="4" name="TextBox 3">
+            <a:extLst>
+              <a:ext uri="{FF2B5EF4-FFF2-40B4-BE49-F238E27FC236}">
+                <a16:creationId xmlns:a16="http://schemas.microsoft.com/office/drawing/2014/main" id="{A809CF90-AA46-46D0-943E-45B8882A573A}"/>
+              </a:ext>
+            </a:extLst>
+          </p:cNvPr>
+          <p:cNvSpPr txBox="1"/>
+          <p:nvPr/>
+        </p:nvSpPr>
+        <p:spPr>
+          <a:xfrm>
+            <a:off x="4544815" y="496532"/>
+            <a:ext cx="1316861" cy="519351"/>
+          </a:xfrm>
+          <a:prstGeom prst="flowChartConnector">
+            <a:avLst/>
+          </a:prstGeom>
+          <a:noFill/>
+          <a:ln>
+            <a:solidFill>
+              <a:schemeClr val="tx1"/>
+            </a:solidFill>
+          </a:ln>
+        </p:spPr>
+        <p:txBody>
+          <a:bodyPr wrap="none" rtlCol="0">
+            <a:spAutoFit/>
+          </a:bodyPr>
+          <a:lstStyle/>
+          <a:p>
+            <a:r>
+              <a:rPr lang="en-US" dirty="0"/>
+              <a:t>Outlook</a:t>
+            </a:r>
+          </a:p>
+        </p:txBody>
+      </p:sp>
+      <p:sp>
+        <p:nvSpPr>
+          <p:cNvPr id="5" name="TextBox 4">
+            <a:extLst>
+              <a:ext uri="{FF2B5EF4-FFF2-40B4-BE49-F238E27FC236}">
+                <a16:creationId xmlns:a16="http://schemas.microsoft.com/office/drawing/2014/main" id="{0BA93347-B28F-47DC-A285-46E6737362B7}"/>
+              </a:ext>
+            </a:extLst>
+          </p:cNvPr>
+          <p:cNvSpPr txBox="1"/>
+          <p:nvPr/>
+        </p:nvSpPr>
+        <p:spPr>
+          <a:xfrm>
+            <a:off x="4855779" y="1442543"/>
+            <a:ext cx="694934" cy="369332"/>
+          </a:xfrm>
+          <a:prstGeom prst="rect">
+            <a:avLst/>
+          </a:prstGeom>
+          <a:noFill/>
+          <a:ln>
+            <a:solidFill>
+              <a:schemeClr val="tx1"/>
+            </a:solidFill>
+          </a:ln>
+        </p:spPr>
+        <p:txBody>
+          <a:bodyPr wrap="none" rtlCol="0">
+            <a:spAutoFit/>
+          </a:bodyPr>
+          <a:lstStyle/>
+          <a:p>
+            <a:r>
+              <a:rPr lang="en-US" dirty="0"/>
+              <a:t>Rainy</a:t>
+            </a:r>
+          </a:p>
+        </p:txBody>
+      </p:sp>
+      <p:sp>
+        <p:nvSpPr>
+          <p:cNvPr id="6" name="TextBox 5">
+            <a:extLst>
+              <a:ext uri="{FF2B5EF4-FFF2-40B4-BE49-F238E27FC236}">
+                <a16:creationId xmlns:a16="http://schemas.microsoft.com/office/drawing/2014/main" id="{2C4FDE10-A520-42CF-A1F9-B7CDB2101516}"/>
+              </a:ext>
+            </a:extLst>
+          </p:cNvPr>
+          <p:cNvSpPr txBox="1"/>
+          <p:nvPr/>
+        </p:nvSpPr>
+        <p:spPr>
+          <a:xfrm>
+            <a:off x="3164019" y="1442543"/>
+            <a:ext cx="1001684" cy="369332"/>
+          </a:xfrm>
+          <a:prstGeom prst="rect">
+            <a:avLst/>
+          </a:prstGeom>
+          <a:noFill/>
+          <a:ln>
+            <a:solidFill>
+              <a:schemeClr val="tx1"/>
+            </a:solidFill>
+          </a:ln>
+        </p:spPr>
+        <p:txBody>
+          <a:bodyPr wrap="none" rtlCol="0">
+            <a:spAutoFit/>
+          </a:bodyPr>
+          <a:lstStyle/>
+          <a:p>
+            <a:r>
+              <a:rPr lang="en-US" dirty="0"/>
+              <a:t>Overcast</a:t>
+            </a:r>
+          </a:p>
+        </p:txBody>
+      </p:sp>
+      <p:sp>
+        <p:nvSpPr>
+          <p:cNvPr id="7" name="TextBox 6">
+            <a:extLst>
+              <a:ext uri="{FF2B5EF4-FFF2-40B4-BE49-F238E27FC236}">
+                <a16:creationId xmlns:a16="http://schemas.microsoft.com/office/drawing/2014/main" id="{6C1D5E50-94AA-4672-B84D-0235CC04A3E6}"/>
+              </a:ext>
+            </a:extLst>
+          </p:cNvPr>
+          <p:cNvSpPr txBox="1"/>
+          <p:nvPr/>
+        </p:nvSpPr>
+        <p:spPr>
+          <a:xfrm>
+            <a:off x="3416147" y="2302703"/>
+            <a:ext cx="497428" cy="369332"/>
+          </a:xfrm>
+          <a:prstGeom prst="flowChartPreparation">
+            <a:avLst/>
+          </a:prstGeom>
+          <a:noFill/>
+          <a:ln>
+            <a:solidFill>
+              <a:schemeClr val="tx1"/>
+            </a:solidFill>
+          </a:ln>
+        </p:spPr>
+        <p:txBody>
+          <a:bodyPr wrap="none" rtlCol="0">
+            <a:spAutoFit/>
+          </a:bodyPr>
+          <a:lstStyle/>
+          <a:p>
+            <a:r>
+              <a:rPr lang="en-US" dirty="0"/>
+              <a:t>+</a:t>
+            </a:r>
+          </a:p>
+        </p:txBody>
+      </p:sp>
+      <p:sp>
+        <p:nvSpPr>
+          <p:cNvPr id="8" name="TextBox 7">
+            <a:extLst>
+              <a:ext uri="{FF2B5EF4-FFF2-40B4-BE49-F238E27FC236}">
+                <a16:creationId xmlns:a16="http://schemas.microsoft.com/office/drawing/2014/main" id="{44642F20-CDAD-4572-A84D-096BCD34EE0F}"/>
+              </a:ext>
+            </a:extLst>
+          </p:cNvPr>
+          <p:cNvSpPr txBox="1"/>
+          <p:nvPr/>
+        </p:nvSpPr>
+        <p:spPr>
+          <a:xfrm>
+            <a:off x="4647377" y="2227693"/>
+            <a:ext cx="1111735" cy="519351"/>
+          </a:xfrm>
+          <a:prstGeom prst="flowChartConnector">
+            <a:avLst/>
+          </a:prstGeom>
+          <a:noFill/>
+          <a:ln>
+            <a:solidFill>
+              <a:schemeClr val="tx1"/>
+            </a:solidFill>
+          </a:ln>
+        </p:spPr>
+        <p:txBody>
+          <a:bodyPr wrap="none" rtlCol="0">
+            <a:spAutoFit/>
+          </a:bodyPr>
+          <a:lstStyle/>
+          <a:p>
+            <a:r>
+              <a:rPr lang="en-US" dirty="0"/>
+              <a:t>Windy</a:t>
+            </a:r>
+          </a:p>
+        </p:txBody>
+      </p:sp>
+      <p:sp>
+        <p:nvSpPr>
+          <p:cNvPr id="9" name="TextBox 8">
+            <a:extLst>
+              <a:ext uri="{FF2B5EF4-FFF2-40B4-BE49-F238E27FC236}">
+                <a16:creationId xmlns:a16="http://schemas.microsoft.com/office/drawing/2014/main" id="{BC84C89C-725D-4B2C-82C2-DBC1FE9D768D}"/>
+              </a:ext>
+            </a:extLst>
+          </p:cNvPr>
+          <p:cNvSpPr txBox="1"/>
+          <p:nvPr/>
+        </p:nvSpPr>
+        <p:spPr>
+          <a:xfrm>
+            <a:off x="4305289" y="2924674"/>
+            <a:ext cx="711605" cy="369332"/>
+          </a:xfrm>
+          <a:prstGeom prst="rect">
+            <a:avLst/>
+          </a:prstGeom>
+          <a:noFill/>
+          <a:ln>
+            <a:solidFill>
+              <a:schemeClr val="tx1"/>
+            </a:solidFill>
+          </a:ln>
+        </p:spPr>
+        <p:txBody>
+          <a:bodyPr wrap="none" rtlCol="0">
+            <a:spAutoFit/>
+          </a:bodyPr>
+          <a:lstStyle/>
+          <a:p>
+            <a:r>
+              <a:rPr lang="en-US" dirty="0"/>
+              <a:t>Weak</a:t>
+            </a:r>
+          </a:p>
+        </p:txBody>
+      </p:sp>
+      <p:sp>
+        <p:nvSpPr>
+          <p:cNvPr id="10" name="TextBox 9">
+            <a:extLst>
+              <a:ext uri="{FF2B5EF4-FFF2-40B4-BE49-F238E27FC236}">
+                <a16:creationId xmlns:a16="http://schemas.microsoft.com/office/drawing/2014/main" id="{58048752-FCF6-427F-B04E-D4DEADADC0A4}"/>
+              </a:ext>
+            </a:extLst>
+          </p:cNvPr>
+          <p:cNvSpPr txBox="1"/>
+          <p:nvPr/>
+        </p:nvSpPr>
+        <p:spPr>
+          <a:xfrm>
+            <a:off x="5379600" y="2920615"/>
+            <a:ext cx="796500" cy="369332"/>
+          </a:xfrm>
+          <a:prstGeom prst="rect">
+            <a:avLst/>
+          </a:prstGeom>
+          <a:noFill/>
+          <a:ln>
+            <a:solidFill>
+              <a:schemeClr val="tx1"/>
+            </a:solidFill>
+          </a:ln>
+        </p:spPr>
+        <p:txBody>
+          <a:bodyPr wrap="none" rtlCol="0">
+            <a:spAutoFit/>
+          </a:bodyPr>
+          <a:lstStyle/>
+          <a:p>
+            <a:r>
+              <a:rPr lang="en-US" dirty="0"/>
+              <a:t>Strong</a:t>
+            </a:r>
+          </a:p>
+        </p:txBody>
+      </p:sp>
+      <p:sp>
+        <p:nvSpPr>
+          <p:cNvPr id="11" name="TextBox 10">
+            <a:extLst>
+              <a:ext uri="{FF2B5EF4-FFF2-40B4-BE49-F238E27FC236}">
+                <a16:creationId xmlns:a16="http://schemas.microsoft.com/office/drawing/2014/main" id="{5E158CD3-EDC4-49E2-9C06-8509DCDAC6B3}"/>
+              </a:ext>
+            </a:extLst>
+          </p:cNvPr>
+          <p:cNvSpPr txBox="1"/>
+          <p:nvPr/>
+        </p:nvSpPr>
+        <p:spPr>
+          <a:xfrm>
+            <a:off x="4412059" y="3469514"/>
+            <a:ext cx="497428" cy="369332"/>
+          </a:xfrm>
+          <a:prstGeom prst="flowChartPreparation">
+            <a:avLst/>
+          </a:prstGeom>
+          <a:noFill/>
+          <a:ln>
+            <a:solidFill>
+              <a:schemeClr val="tx1"/>
+            </a:solidFill>
+          </a:ln>
+        </p:spPr>
+        <p:txBody>
+          <a:bodyPr wrap="none" rtlCol="0">
+            <a:spAutoFit/>
+          </a:bodyPr>
+          <a:lstStyle/>
+          <a:p>
+            <a:r>
+              <a:rPr lang="en-US" dirty="0"/>
+              <a:t>+</a:t>
+            </a:r>
+          </a:p>
+        </p:txBody>
+      </p:sp>
+      <p:sp>
+        <p:nvSpPr>
+          <p:cNvPr id="12" name="TextBox 11">
+            <a:extLst>
+              <a:ext uri="{FF2B5EF4-FFF2-40B4-BE49-F238E27FC236}">
+                <a16:creationId xmlns:a16="http://schemas.microsoft.com/office/drawing/2014/main" id="{5E453017-B52C-4814-BE60-0B9084DE1D3E}"/>
+              </a:ext>
+            </a:extLst>
+          </p:cNvPr>
+          <p:cNvSpPr txBox="1"/>
+          <p:nvPr/>
+        </p:nvSpPr>
+        <p:spPr>
+          <a:xfrm>
+            <a:off x="5566336" y="3463517"/>
+            <a:ext cx="423027" cy="369332"/>
+          </a:xfrm>
+          <a:prstGeom prst="flowChartPreparation">
+            <a:avLst/>
+          </a:prstGeom>
+          <a:noFill/>
+          <a:ln>
+            <a:solidFill>
+              <a:schemeClr val="tx1"/>
+            </a:solidFill>
+          </a:ln>
+        </p:spPr>
+        <p:txBody>
+          <a:bodyPr wrap="none" rtlCol="0">
+            <a:spAutoFit/>
+          </a:bodyPr>
+          <a:lstStyle/>
+          <a:p>
+            <a:r>
+              <a:rPr lang="en-US" dirty="0"/>
+              <a:t>-</a:t>
+            </a:r>
+          </a:p>
+        </p:txBody>
+      </p:sp>
+      <p:cxnSp>
+        <p:nvCxnSpPr>
+          <p:cNvPr id="14" name="Straight Connector 13">
+            <a:extLst>
+              <a:ext uri="{FF2B5EF4-FFF2-40B4-BE49-F238E27FC236}">
+                <a16:creationId xmlns:a16="http://schemas.microsoft.com/office/drawing/2014/main" id="{B3E0C6C8-5CAD-4B96-B854-3849A1C9F535}"/>
+              </a:ext>
+            </a:extLst>
+          </p:cNvPr>
+          <p:cNvCxnSpPr>
+            <a:cxnSpLocks/>
+            <a:stCxn id="4" idx="4"/>
+            <a:endCxn id="5" idx="0"/>
+          </p:cNvCxnSpPr>
+          <p:nvPr/>
+        </p:nvCxnSpPr>
+        <p:spPr>
+          <a:xfrm>
+            <a:off x="5203246" y="1015883"/>
+            <a:ext cx="0" cy="426660"/>
+          </a:xfrm>
+          <a:prstGeom prst="line">
+            <a:avLst/>
+          </a:prstGeom>
+          <a:ln>
+            <a:solidFill>
+              <a:schemeClr val="tx1"/>
+            </a:solidFill>
+          </a:ln>
+        </p:spPr>
+        <p:style>
+          <a:lnRef idx="1">
+            <a:schemeClr val="accent1"/>
+          </a:lnRef>
+          <a:fillRef idx="0">
+            <a:schemeClr val="accent1"/>
+          </a:fillRef>
+          <a:effectRef idx="0">
+            <a:schemeClr val="accent1"/>
+          </a:effectRef>
+          <a:fontRef idx="minor">
+            <a:schemeClr val="tx1"/>
+          </a:fontRef>
+        </p:style>
+      </p:cxnSp>
+      <p:cxnSp>
+        <p:nvCxnSpPr>
+          <p:cNvPr id="16" name="Straight Connector 15">
+            <a:extLst>
+              <a:ext uri="{FF2B5EF4-FFF2-40B4-BE49-F238E27FC236}">
+                <a16:creationId xmlns:a16="http://schemas.microsoft.com/office/drawing/2014/main" id="{50DA9608-9D90-4FAF-9C42-65003AE11192}"/>
+              </a:ext>
+            </a:extLst>
+          </p:cNvPr>
+          <p:cNvCxnSpPr>
+            <a:cxnSpLocks/>
+            <a:stCxn id="4" idx="4"/>
+            <a:endCxn id="6" idx="0"/>
+          </p:cNvCxnSpPr>
+          <p:nvPr/>
+        </p:nvCxnSpPr>
+        <p:spPr>
+          <a:xfrm flipH="1">
+            <a:off x="3664861" y="1015883"/>
+            <a:ext cx="1538385" cy="426660"/>
+          </a:xfrm>
+          <a:prstGeom prst="line">
+            <a:avLst/>
+          </a:prstGeom>
+          <a:ln>
+            <a:solidFill>
+              <a:schemeClr val="tx1"/>
+            </a:solidFill>
+          </a:ln>
+        </p:spPr>
+        <p:style>
+          <a:lnRef idx="1">
+            <a:schemeClr val="accent1"/>
+          </a:lnRef>
+          <a:fillRef idx="0">
+            <a:schemeClr val="accent1"/>
+          </a:fillRef>
+          <a:effectRef idx="0">
+            <a:schemeClr val="accent1"/>
+          </a:effectRef>
+          <a:fontRef idx="minor">
+            <a:schemeClr val="tx1"/>
+          </a:fontRef>
+        </p:style>
+      </p:cxnSp>
+      <p:cxnSp>
+        <p:nvCxnSpPr>
+          <p:cNvPr id="18" name="Straight Connector 17">
+            <a:extLst>
+              <a:ext uri="{FF2B5EF4-FFF2-40B4-BE49-F238E27FC236}">
+                <a16:creationId xmlns:a16="http://schemas.microsoft.com/office/drawing/2014/main" id="{D6FDD108-F788-494A-98A8-D4AED375C157}"/>
+              </a:ext>
+            </a:extLst>
+          </p:cNvPr>
+          <p:cNvCxnSpPr>
+            <a:cxnSpLocks/>
+            <a:stCxn id="5" idx="2"/>
+            <a:endCxn id="8" idx="0"/>
+          </p:cNvCxnSpPr>
+          <p:nvPr/>
+        </p:nvCxnSpPr>
+        <p:spPr>
+          <a:xfrm flipH="1">
+            <a:off x="5203245" y="1811875"/>
+            <a:ext cx="1" cy="415818"/>
+          </a:xfrm>
+          <a:prstGeom prst="line">
+            <a:avLst/>
+          </a:prstGeom>
+          <a:ln>
+            <a:solidFill>
+              <a:schemeClr val="tx1"/>
+            </a:solidFill>
+          </a:ln>
+        </p:spPr>
+        <p:style>
+          <a:lnRef idx="1">
+            <a:schemeClr val="accent1"/>
+          </a:lnRef>
+          <a:fillRef idx="0">
+            <a:schemeClr val="accent1"/>
+          </a:fillRef>
+          <a:effectRef idx="0">
+            <a:schemeClr val="accent1"/>
+          </a:effectRef>
+          <a:fontRef idx="minor">
+            <a:schemeClr val="tx1"/>
+          </a:fontRef>
+        </p:style>
+      </p:cxnSp>
+      <p:cxnSp>
+        <p:nvCxnSpPr>
+          <p:cNvPr id="20" name="Straight Connector 19">
+            <a:extLst>
+              <a:ext uri="{FF2B5EF4-FFF2-40B4-BE49-F238E27FC236}">
+                <a16:creationId xmlns:a16="http://schemas.microsoft.com/office/drawing/2014/main" id="{45F5A930-753A-4E22-9EE0-88D5309B7E0B}"/>
+              </a:ext>
+            </a:extLst>
+          </p:cNvPr>
+          <p:cNvCxnSpPr>
+            <a:cxnSpLocks/>
+            <a:stCxn id="6" idx="2"/>
+            <a:endCxn id="7" idx="0"/>
+          </p:cNvCxnSpPr>
+          <p:nvPr/>
+        </p:nvCxnSpPr>
+        <p:spPr>
+          <a:xfrm>
+            <a:off x="3664861" y="1811875"/>
+            <a:ext cx="0" cy="490828"/>
+          </a:xfrm>
+          <a:prstGeom prst="line">
+            <a:avLst/>
+          </a:prstGeom>
+          <a:ln>
+            <a:solidFill>
+              <a:schemeClr val="tx1"/>
+            </a:solidFill>
+          </a:ln>
+        </p:spPr>
+        <p:style>
+          <a:lnRef idx="1">
+            <a:schemeClr val="accent1"/>
+          </a:lnRef>
+          <a:fillRef idx="0">
+            <a:schemeClr val="accent1"/>
+          </a:fillRef>
+          <a:effectRef idx="0">
+            <a:schemeClr val="accent1"/>
+          </a:effectRef>
+          <a:fontRef idx="minor">
+            <a:schemeClr val="tx1"/>
+          </a:fontRef>
+        </p:style>
+      </p:cxnSp>
+      <p:cxnSp>
+        <p:nvCxnSpPr>
+          <p:cNvPr id="22" name="Straight Connector 21">
+            <a:extLst>
+              <a:ext uri="{FF2B5EF4-FFF2-40B4-BE49-F238E27FC236}">
+                <a16:creationId xmlns:a16="http://schemas.microsoft.com/office/drawing/2014/main" id="{EBF76B53-6F29-42A2-ADD1-F0269D1256C0}"/>
+              </a:ext>
+            </a:extLst>
+          </p:cNvPr>
+          <p:cNvCxnSpPr>
+            <a:cxnSpLocks/>
+            <a:stCxn id="8" idx="4"/>
+            <a:endCxn id="9" idx="0"/>
+          </p:cNvCxnSpPr>
+          <p:nvPr/>
+        </p:nvCxnSpPr>
+        <p:spPr>
+          <a:xfrm flipH="1">
+            <a:off x="4661092" y="2747044"/>
+            <a:ext cx="542153" cy="177630"/>
+          </a:xfrm>
+          <a:prstGeom prst="line">
+            <a:avLst/>
+          </a:prstGeom>
+          <a:ln>
+            <a:solidFill>
+              <a:schemeClr val="tx1"/>
+            </a:solidFill>
+          </a:ln>
+        </p:spPr>
+        <p:style>
+          <a:lnRef idx="1">
+            <a:schemeClr val="accent1"/>
+          </a:lnRef>
+          <a:fillRef idx="0">
+            <a:schemeClr val="accent1"/>
+          </a:fillRef>
+          <a:effectRef idx="0">
+            <a:schemeClr val="accent1"/>
+          </a:effectRef>
+          <a:fontRef idx="minor">
+            <a:schemeClr val="tx1"/>
+          </a:fontRef>
+        </p:style>
+      </p:cxnSp>
+      <p:cxnSp>
+        <p:nvCxnSpPr>
+          <p:cNvPr id="26" name="Straight Connector 25">
+            <a:extLst>
+              <a:ext uri="{FF2B5EF4-FFF2-40B4-BE49-F238E27FC236}">
+                <a16:creationId xmlns:a16="http://schemas.microsoft.com/office/drawing/2014/main" id="{EE95F377-061D-418D-9C35-E069CDC038F0}"/>
+              </a:ext>
+            </a:extLst>
+          </p:cNvPr>
+          <p:cNvCxnSpPr>
+            <a:cxnSpLocks/>
+            <a:stCxn id="9" idx="2"/>
+            <a:endCxn id="11" idx="0"/>
+          </p:cNvCxnSpPr>
+          <p:nvPr/>
+        </p:nvCxnSpPr>
+        <p:spPr>
+          <a:xfrm flipH="1">
+            <a:off x="4660773" y="3294006"/>
+            <a:ext cx="319" cy="175508"/>
+          </a:xfrm>
+          <a:prstGeom prst="line">
+            <a:avLst/>
+          </a:prstGeom>
+          <a:ln>
+            <a:solidFill>
+              <a:schemeClr val="tx1"/>
+            </a:solidFill>
+          </a:ln>
+        </p:spPr>
+        <p:style>
+          <a:lnRef idx="1">
+            <a:schemeClr val="accent1"/>
+          </a:lnRef>
+          <a:fillRef idx="0">
+            <a:schemeClr val="accent1"/>
+          </a:fillRef>
+          <a:effectRef idx="0">
+            <a:schemeClr val="accent1"/>
+          </a:effectRef>
+          <a:fontRef idx="minor">
+            <a:schemeClr val="tx1"/>
+          </a:fontRef>
+        </p:style>
+      </p:cxnSp>
+      <p:cxnSp>
+        <p:nvCxnSpPr>
+          <p:cNvPr id="28" name="Straight Connector 27">
+            <a:extLst>
+              <a:ext uri="{FF2B5EF4-FFF2-40B4-BE49-F238E27FC236}">
+                <a16:creationId xmlns:a16="http://schemas.microsoft.com/office/drawing/2014/main" id="{9F7DF7E9-8022-4B16-A8FB-5055911F0165}"/>
+              </a:ext>
+            </a:extLst>
+          </p:cNvPr>
+          <p:cNvCxnSpPr>
+            <a:cxnSpLocks/>
+            <a:stCxn id="10" idx="2"/>
+            <a:endCxn id="12" idx="0"/>
+          </p:cNvCxnSpPr>
+          <p:nvPr/>
+        </p:nvCxnSpPr>
+        <p:spPr>
+          <a:xfrm>
+            <a:off x="5777850" y="3289947"/>
+            <a:ext cx="0" cy="173570"/>
+          </a:xfrm>
+          <a:prstGeom prst="line">
+            <a:avLst/>
+          </a:prstGeom>
+          <a:ln>
+            <a:solidFill>
+              <a:schemeClr val="tx1"/>
+            </a:solidFill>
+          </a:ln>
+        </p:spPr>
+        <p:style>
+          <a:lnRef idx="1">
+            <a:schemeClr val="accent1"/>
+          </a:lnRef>
+          <a:fillRef idx="0">
+            <a:schemeClr val="accent1"/>
+          </a:fillRef>
+          <a:effectRef idx="0">
+            <a:schemeClr val="accent1"/>
+          </a:effectRef>
+          <a:fontRef idx="minor">
+            <a:schemeClr val="tx1"/>
+          </a:fontRef>
+        </p:style>
+      </p:cxnSp>
+      <p:sp>
+        <p:nvSpPr>
+          <p:cNvPr id="19" name="TextBox 18">
+            <a:extLst>
+              <a:ext uri="{FF2B5EF4-FFF2-40B4-BE49-F238E27FC236}">
+                <a16:creationId xmlns:a16="http://schemas.microsoft.com/office/drawing/2014/main" id="{25BBF9AF-6055-43FC-A830-B0C7AE52A777}"/>
+              </a:ext>
+            </a:extLst>
+          </p:cNvPr>
+          <p:cNvSpPr txBox="1"/>
+          <p:nvPr/>
+        </p:nvSpPr>
+        <p:spPr>
+          <a:xfrm>
+            <a:off x="6298347" y="1442543"/>
+            <a:ext cx="755848" cy="369332"/>
+          </a:xfrm>
+          <a:prstGeom prst="rect">
+            <a:avLst/>
+          </a:prstGeom>
+          <a:noFill/>
+          <a:ln>
+            <a:solidFill>
+              <a:schemeClr val="tx1"/>
+            </a:solidFill>
+          </a:ln>
+        </p:spPr>
+        <p:txBody>
+          <a:bodyPr wrap="none" rtlCol="0">
+            <a:spAutoFit/>
+          </a:bodyPr>
+          <a:lstStyle/>
+          <a:p>
+            <a:r>
+              <a:rPr lang="en-US" dirty="0"/>
+              <a:t>Sunny</a:t>
+            </a:r>
+          </a:p>
+        </p:txBody>
+      </p:sp>
+      <p:sp>
+        <p:nvSpPr>
+          <p:cNvPr id="21" name="TextBox 20">
+            <a:extLst>
+              <a:ext uri="{FF2B5EF4-FFF2-40B4-BE49-F238E27FC236}">
+                <a16:creationId xmlns:a16="http://schemas.microsoft.com/office/drawing/2014/main" id="{0CFF2B99-AC00-4F8F-AA0B-5BEF32D98DDC}"/>
+              </a:ext>
+            </a:extLst>
+          </p:cNvPr>
+          <p:cNvSpPr txBox="1"/>
+          <p:nvPr/>
+        </p:nvSpPr>
+        <p:spPr>
+          <a:xfrm>
+            <a:off x="6675149" y="2227692"/>
+            <a:ext cx="1467887" cy="519351"/>
+          </a:xfrm>
+          <a:prstGeom prst="flowChartConnector">
+            <a:avLst/>
+          </a:prstGeom>
+          <a:noFill/>
+          <a:ln>
+            <a:solidFill>
+              <a:schemeClr val="tx1"/>
+            </a:solidFill>
+          </a:ln>
+        </p:spPr>
+        <p:txBody>
+          <a:bodyPr wrap="none" rtlCol="0">
+            <a:spAutoFit/>
+          </a:bodyPr>
+          <a:lstStyle/>
+          <a:p>
+            <a:r>
+              <a:rPr lang="en-US" dirty="0"/>
+              <a:t>Humidity</a:t>
+            </a:r>
+          </a:p>
+        </p:txBody>
+      </p:sp>
+      <p:sp>
+        <p:nvSpPr>
+          <p:cNvPr id="23" name="TextBox 22">
+            <a:extLst>
+              <a:ext uri="{FF2B5EF4-FFF2-40B4-BE49-F238E27FC236}">
+                <a16:creationId xmlns:a16="http://schemas.microsoft.com/office/drawing/2014/main" id="{74E35447-F0CF-4DFA-8BC1-996D3E3C8494}"/>
+              </a:ext>
+            </a:extLst>
+          </p:cNvPr>
+          <p:cNvSpPr txBox="1"/>
+          <p:nvPr/>
+        </p:nvSpPr>
+        <p:spPr>
+          <a:xfrm>
+            <a:off x="6561115" y="2920615"/>
+            <a:ext cx="612668" cy="369332"/>
+          </a:xfrm>
+          <a:prstGeom prst="rect">
+            <a:avLst/>
+          </a:prstGeom>
+          <a:noFill/>
+          <a:ln>
+            <a:solidFill>
+              <a:schemeClr val="tx1"/>
+            </a:solidFill>
+          </a:ln>
+        </p:spPr>
+        <p:txBody>
+          <a:bodyPr wrap="none" rtlCol="0">
+            <a:spAutoFit/>
+          </a:bodyPr>
+          <a:lstStyle/>
+          <a:p>
+            <a:r>
+              <a:rPr lang="en-US" dirty="0"/>
+              <a:t>High</a:t>
+            </a:r>
+          </a:p>
+        </p:txBody>
+      </p:sp>
+      <p:sp>
+        <p:nvSpPr>
+          <p:cNvPr id="24" name="TextBox 23">
+            <a:extLst>
+              <a:ext uri="{FF2B5EF4-FFF2-40B4-BE49-F238E27FC236}">
+                <a16:creationId xmlns:a16="http://schemas.microsoft.com/office/drawing/2014/main" id="{2BAAD965-CA22-4AC5-9EF5-A1EBB8C571E2}"/>
+              </a:ext>
+            </a:extLst>
+          </p:cNvPr>
+          <p:cNvSpPr txBox="1"/>
+          <p:nvPr/>
+        </p:nvSpPr>
+        <p:spPr>
+          <a:xfrm>
+            <a:off x="7633855" y="2920615"/>
+            <a:ext cx="883575" cy="369332"/>
+          </a:xfrm>
+          <a:prstGeom prst="rect">
+            <a:avLst/>
+          </a:prstGeom>
+          <a:noFill/>
+          <a:ln>
+            <a:solidFill>
+              <a:schemeClr val="tx1"/>
+            </a:solidFill>
+          </a:ln>
+        </p:spPr>
+        <p:txBody>
+          <a:bodyPr wrap="none" rtlCol="0">
+            <a:spAutoFit/>
+          </a:bodyPr>
+          <a:lstStyle/>
+          <a:p>
+            <a:r>
+              <a:rPr lang="en-US" dirty="0"/>
+              <a:t>Normal</a:t>
+            </a:r>
+          </a:p>
+        </p:txBody>
+      </p:sp>
+      <p:sp>
+        <p:nvSpPr>
+          <p:cNvPr id="25" name="TextBox 24">
+            <a:extLst>
+              <a:ext uri="{FF2B5EF4-FFF2-40B4-BE49-F238E27FC236}">
+                <a16:creationId xmlns:a16="http://schemas.microsoft.com/office/drawing/2014/main" id="{80FC74BC-58F9-4214-8A1E-A9DB1539DCE5}"/>
+              </a:ext>
+            </a:extLst>
+          </p:cNvPr>
+          <p:cNvSpPr txBox="1"/>
+          <p:nvPr/>
+        </p:nvSpPr>
+        <p:spPr>
+          <a:xfrm>
+            <a:off x="6655935" y="3463517"/>
+            <a:ext cx="423027" cy="369332"/>
+          </a:xfrm>
+          <a:prstGeom prst="flowChartPreparation">
+            <a:avLst/>
+          </a:prstGeom>
+          <a:noFill/>
+          <a:ln>
+            <a:solidFill>
+              <a:schemeClr val="tx1"/>
+            </a:solidFill>
+          </a:ln>
+        </p:spPr>
+        <p:txBody>
+          <a:bodyPr wrap="none" rtlCol="0">
+            <a:spAutoFit/>
+          </a:bodyPr>
+          <a:lstStyle/>
+          <a:p>
+            <a:r>
+              <a:rPr lang="en-US" dirty="0"/>
+              <a:t>-</a:t>
+            </a:r>
+          </a:p>
+        </p:txBody>
+      </p:sp>
+      <p:cxnSp>
+        <p:nvCxnSpPr>
+          <p:cNvPr id="27" name="Straight Connector 26">
+            <a:extLst>
+              <a:ext uri="{FF2B5EF4-FFF2-40B4-BE49-F238E27FC236}">
+                <a16:creationId xmlns:a16="http://schemas.microsoft.com/office/drawing/2014/main" id="{F7F6B7A5-CD98-4E71-B5AE-B590E2D7EF8F}"/>
+              </a:ext>
+            </a:extLst>
+          </p:cNvPr>
+          <p:cNvCxnSpPr>
+            <a:cxnSpLocks/>
+            <a:stCxn id="19" idx="2"/>
+            <a:endCxn id="21" idx="0"/>
+          </p:cNvCxnSpPr>
+          <p:nvPr/>
+        </p:nvCxnSpPr>
+        <p:spPr>
+          <a:xfrm>
+            <a:off x="6676271" y="1811875"/>
+            <a:ext cx="732822" cy="415817"/>
+          </a:xfrm>
+          <a:prstGeom prst="line">
+            <a:avLst/>
+          </a:prstGeom>
+          <a:ln>
+            <a:solidFill>
+              <a:schemeClr val="tx1"/>
+            </a:solidFill>
+          </a:ln>
+        </p:spPr>
+        <p:style>
+          <a:lnRef idx="1">
+            <a:schemeClr val="accent1"/>
+          </a:lnRef>
+          <a:fillRef idx="0">
+            <a:schemeClr val="accent1"/>
+          </a:fillRef>
+          <a:effectRef idx="0">
+            <a:schemeClr val="accent1"/>
+          </a:effectRef>
+          <a:fontRef idx="minor">
+            <a:schemeClr val="tx1"/>
+          </a:fontRef>
+        </p:style>
+      </p:cxnSp>
+      <p:cxnSp>
+        <p:nvCxnSpPr>
+          <p:cNvPr id="29" name="Straight Connector 28">
+            <a:extLst>
+              <a:ext uri="{FF2B5EF4-FFF2-40B4-BE49-F238E27FC236}">
+                <a16:creationId xmlns:a16="http://schemas.microsoft.com/office/drawing/2014/main" id="{A1787964-C1E8-41C8-9A0D-B9D7BAB9E2A1}"/>
+              </a:ext>
+            </a:extLst>
+          </p:cNvPr>
+          <p:cNvCxnSpPr>
+            <a:cxnSpLocks/>
+            <a:stCxn id="21" idx="4"/>
+            <a:endCxn id="23" idx="0"/>
+          </p:cNvCxnSpPr>
+          <p:nvPr/>
+        </p:nvCxnSpPr>
+        <p:spPr>
+          <a:xfrm flipH="1">
+            <a:off x="6867449" y="2747043"/>
+            <a:ext cx="541644" cy="173572"/>
+          </a:xfrm>
+          <a:prstGeom prst="line">
+            <a:avLst/>
+          </a:prstGeom>
+          <a:ln>
+            <a:solidFill>
+              <a:schemeClr val="tx1"/>
+            </a:solidFill>
+          </a:ln>
+        </p:spPr>
+        <p:style>
+          <a:lnRef idx="1">
+            <a:schemeClr val="accent1"/>
+          </a:lnRef>
+          <a:fillRef idx="0">
+            <a:schemeClr val="accent1"/>
+          </a:fillRef>
+          <a:effectRef idx="0">
+            <a:schemeClr val="accent1"/>
+          </a:effectRef>
+          <a:fontRef idx="minor">
+            <a:schemeClr val="tx1"/>
+          </a:fontRef>
+        </p:style>
+      </p:cxnSp>
+      <p:cxnSp>
+        <p:nvCxnSpPr>
+          <p:cNvPr id="30" name="Straight Connector 29">
+            <a:extLst>
+              <a:ext uri="{FF2B5EF4-FFF2-40B4-BE49-F238E27FC236}">
+                <a16:creationId xmlns:a16="http://schemas.microsoft.com/office/drawing/2014/main" id="{FCAEFFEA-A3D3-4631-91BC-AC31F24AA8BB}"/>
+              </a:ext>
+            </a:extLst>
+          </p:cNvPr>
+          <p:cNvCxnSpPr>
+            <a:cxnSpLocks/>
+            <a:stCxn id="23" idx="2"/>
+            <a:endCxn id="25" idx="0"/>
+          </p:cNvCxnSpPr>
+          <p:nvPr/>
+        </p:nvCxnSpPr>
+        <p:spPr>
+          <a:xfrm>
+            <a:off x="6867449" y="3289947"/>
+            <a:ext cx="0" cy="173570"/>
+          </a:xfrm>
+          <a:prstGeom prst="line">
+            <a:avLst/>
+          </a:prstGeom>
+          <a:ln>
+            <a:solidFill>
+              <a:schemeClr val="tx1"/>
+            </a:solidFill>
+          </a:ln>
+        </p:spPr>
+        <p:style>
+          <a:lnRef idx="1">
+            <a:schemeClr val="accent1"/>
+          </a:lnRef>
+          <a:fillRef idx="0">
+            <a:schemeClr val="accent1"/>
+          </a:fillRef>
+          <a:effectRef idx="0">
+            <a:schemeClr val="accent1"/>
+          </a:effectRef>
+          <a:fontRef idx="minor">
+            <a:schemeClr val="tx1"/>
+          </a:fontRef>
+        </p:style>
+      </p:cxnSp>
+      <p:cxnSp>
+        <p:nvCxnSpPr>
+          <p:cNvPr id="31" name="Straight Connector 30">
+            <a:extLst>
+              <a:ext uri="{FF2B5EF4-FFF2-40B4-BE49-F238E27FC236}">
+                <a16:creationId xmlns:a16="http://schemas.microsoft.com/office/drawing/2014/main" id="{F26F838B-D9D3-4C08-84C0-1AF6AFCA0059}"/>
+              </a:ext>
+            </a:extLst>
+          </p:cNvPr>
+          <p:cNvCxnSpPr>
+            <a:cxnSpLocks/>
+            <a:stCxn id="24" idx="2"/>
+            <a:endCxn id="53" idx="0"/>
+          </p:cNvCxnSpPr>
+          <p:nvPr/>
+        </p:nvCxnSpPr>
+        <p:spPr>
+          <a:xfrm flipH="1">
+            <a:off x="8075642" y="3289947"/>
+            <a:ext cx="1" cy="173570"/>
+          </a:xfrm>
+          <a:prstGeom prst="line">
+            <a:avLst/>
+          </a:prstGeom>
+          <a:ln>
+            <a:solidFill>
+              <a:schemeClr val="tx1"/>
+            </a:solidFill>
+          </a:ln>
+        </p:spPr>
+        <p:style>
+          <a:lnRef idx="1">
+            <a:schemeClr val="accent1"/>
+          </a:lnRef>
+          <a:fillRef idx="0">
+            <a:schemeClr val="accent1"/>
+          </a:fillRef>
+          <a:effectRef idx="0">
+            <a:schemeClr val="accent1"/>
+          </a:effectRef>
+          <a:fontRef idx="minor">
+            <a:schemeClr val="tx1"/>
+          </a:fontRef>
+        </p:style>
+      </p:cxnSp>
+      <p:cxnSp>
+        <p:nvCxnSpPr>
+          <p:cNvPr id="32" name="Straight Connector 31">
+            <a:extLst>
+              <a:ext uri="{FF2B5EF4-FFF2-40B4-BE49-F238E27FC236}">
+                <a16:creationId xmlns:a16="http://schemas.microsoft.com/office/drawing/2014/main" id="{D5E45A45-473F-4FC7-9EFD-A50B61F0767C}"/>
+              </a:ext>
+            </a:extLst>
+          </p:cNvPr>
+          <p:cNvCxnSpPr>
+            <a:cxnSpLocks/>
+            <a:stCxn id="4" idx="4"/>
+            <a:endCxn id="19" idx="0"/>
+          </p:cNvCxnSpPr>
+          <p:nvPr/>
+        </p:nvCxnSpPr>
+        <p:spPr>
+          <a:xfrm>
+            <a:off x="5203246" y="1015883"/>
+            <a:ext cx="1473025" cy="426660"/>
+          </a:xfrm>
+          <a:prstGeom prst="line">
+            <a:avLst/>
+          </a:prstGeom>
+          <a:ln>
+            <a:solidFill>
+              <a:schemeClr val="tx1"/>
+            </a:solidFill>
+          </a:ln>
+        </p:spPr>
+        <p:style>
+          <a:lnRef idx="1">
+            <a:schemeClr val="accent1"/>
+          </a:lnRef>
+          <a:fillRef idx="0">
+            <a:schemeClr val="accent1"/>
+          </a:fillRef>
+          <a:effectRef idx="0">
+            <a:schemeClr val="accent1"/>
+          </a:effectRef>
+          <a:fontRef idx="minor">
+            <a:schemeClr val="tx1"/>
+          </a:fontRef>
+        </p:style>
+      </p:cxnSp>
+      <p:cxnSp>
+        <p:nvCxnSpPr>
+          <p:cNvPr id="42" name="Straight Connector 41">
+            <a:extLst>
+              <a:ext uri="{FF2B5EF4-FFF2-40B4-BE49-F238E27FC236}">
+                <a16:creationId xmlns:a16="http://schemas.microsoft.com/office/drawing/2014/main" id="{6F0E5980-B39E-474D-835C-EC5062F0A6D1}"/>
+              </a:ext>
+            </a:extLst>
+          </p:cNvPr>
+          <p:cNvCxnSpPr>
+            <a:cxnSpLocks/>
+            <a:stCxn id="8" idx="4"/>
+            <a:endCxn id="10" idx="0"/>
+          </p:cNvCxnSpPr>
+          <p:nvPr/>
+        </p:nvCxnSpPr>
+        <p:spPr>
+          <a:xfrm>
+            <a:off x="5203245" y="2747044"/>
+            <a:ext cx="574605" cy="173571"/>
+          </a:xfrm>
+          <a:prstGeom prst="line">
+            <a:avLst/>
+          </a:prstGeom>
+          <a:ln>
+            <a:solidFill>
+              <a:schemeClr val="tx1"/>
+            </a:solidFill>
+          </a:ln>
+        </p:spPr>
+        <p:style>
+          <a:lnRef idx="1">
+            <a:schemeClr val="accent1"/>
+          </a:lnRef>
+          <a:fillRef idx="0">
+            <a:schemeClr val="accent1"/>
+          </a:fillRef>
+          <a:effectRef idx="0">
+            <a:schemeClr val="accent1"/>
+          </a:effectRef>
+          <a:fontRef idx="minor">
+            <a:schemeClr val="tx1"/>
+          </a:fontRef>
+        </p:style>
+      </p:cxnSp>
+      <p:cxnSp>
+        <p:nvCxnSpPr>
+          <p:cNvPr id="49" name="Straight Connector 48">
+            <a:extLst>
+              <a:ext uri="{FF2B5EF4-FFF2-40B4-BE49-F238E27FC236}">
+                <a16:creationId xmlns:a16="http://schemas.microsoft.com/office/drawing/2014/main" id="{DEFFF479-156D-47B5-8BE2-DD6BC5F2AE2F}"/>
+              </a:ext>
+            </a:extLst>
+          </p:cNvPr>
+          <p:cNvCxnSpPr>
+            <a:cxnSpLocks/>
+            <a:stCxn id="21" idx="4"/>
+            <a:endCxn id="24" idx="0"/>
+          </p:cNvCxnSpPr>
+          <p:nvPr/>
+        </p:nvCxnSpPr>
+        <p:spPr>
+          <a:xfrm>
+            <a:off x="7409093" y="2747043"/>
+            <a:ext cx="666550" cy="173572"/>
+          </a:xfrm>
+          <a:prstGeom prst="line">
+            <a:avLst/>
+          </a:prstGeom>
+          <a:ln>
+            <a:solidFill>
+              <a:schemeClr val="tx1"/>
+            </a:solidFill>
+          </a:ln>
+        </p:spPr>
+        <p:style>
+          <a:lnRef idx="1">
+            <a:schemeClr val="accent1"/>
+          </a:lnRef>
+          <a:fillRef idx="0">
+            <a:schemeClr val="accent1"/>
+          </a:fillRef>
+          <a:effectRef idx="0">
+            <a:schemeClr val="accent1"/>
+          </a:effectRef>
+          <a:fontRef idx="minor">
+            <a:schemeClr val="tx1"/>
+          </a:fontRef>
+        </p:style>
+      </p:cxnSp>
+      <p:sp>
+        <p:nvSpPr>
+          <p:cNvPr id="53" name="TextBox 52">
+            <a:extLst>
+              <a:ext uri="{FF2B5EF4-FFF2-40B4-BE49-F238E27FC236}">
+                <a16:creationId xmlns:a16="http://schemas.microsoft.com/office/drawing/2014/main" id="{D95A7CD5-BA25-41D3-ABCC-FFA3606DDB5F}"/>
+              </a:ext>
+            </a:extLst>
+          </p:cNvPr>
+          <p:cNvSpPr txBox="1"/>
+          <p:nvPr/>
+        </p:nvSpPr>
+        <p:spPr>
+          <a:xfrm>
+            <a:off x="7826928" y="3463517"/>
+            <a:ext cx="497428" cy="369332"/>
+          </a:xfrm>
+          <a:prstGeom prst="flowChartPreparation">
+            <a:avLst/>
+          </a:prstGeom>
+          <a:noFill/>
+          <a:ln>
+            <a:solidFill>
+              <a:schemeClr val="tx1"/>
+            </a:solidFill>
+          </a:ln>
+        </p:spPr>
+        <p:txBody>
+          <a:bodyPr wrap="none" rtlCol="0">
+            <a:spAutoFit/>
+          </a:bodyPr>
+          <a:lstStyle/>
+          <a:p>
+            <a:r>
+              <a:rPr lang="en-US" dirty="0"/>
+              <a:t>+</a:t>
+            </a:r>
+          </a:p>
+        </p:txBody>
+      </p:sp>
+    </p:spTree>
+    <p:extLst>
+      <p:ext uri="{BB962C8B-B14F-4D97-AF65-F5344CB8AC3E}">
+        <p14:creationId xmlns:p14="http://schemas.microsoft.com/office/powerpoint/2010/main" val="2850556847"/>
       </p:ext>
     </p:extLst>
   </p:cSld>
@@ -4446,4 +6583,299 @@
     </a:ext>
   </a:extLst>
 </a:theme>
+</file>
+
+<file path=ppt/theme/theme2.xml><?xml version="1.0" encoding="utf-8"?>
+<a:theme xmlns:a="http://schemas.openxmlformats.org/drawingml/2006/main" name="Office Theme">
+  <a:themeElements>
+    <a:clrScheme name="Office">
+      <a:dk1>
+        <a:sysClr val="windowText" lastClr="000000"/>
+      </a:dk1>
+      <a:lt1>
+        <a:sysClr val="window" lastClr="FFFFFF"/>
+      </a:lt1>
+      <a:dk2>
+        <a:srgbClr val="44546A"/>
+      </a:dk2>
+      <a:lt2>
+        <a:srgbClr val="E7E6E6"/>
+      </a:lt2>
+      <a:accent1>
+        <a:srgbClr val="4472C4"/>
+      </a:accent1>
+      <a:accent2>
+        <a:srgbClr val="ED7D31"/>
+      </a:accent2>
+      <a:accent3>
+        <a:srgbClr val="A5A5A5"/>
+      </a:accent3>
+      <a:accent4>
+        <a:srgbClr val="FFC000"/>
+      </a:accent4>
+      <a:accent5>
+        <a:srgbClr val="5B9BD5"/>
+      </a:accent5>
+      <a:accent6>
+        <a:srgbClr val="70AD47"/>
+      </a:accent6>
+      <a:hlink>
+        <a:srgbClr val="0563C1"/>
+      </a:hlink>
+      <a:folHlink>
+        <a:srgbClr val="954F72"/>
+      </a:folHlink>
+    </a:clrScheme>
+    <a:fontScheme name="Office">
+      <a:majorFont>
+        <a:latin typeface="Calibri Light" panose="020F0302020204030204"/>
+        <a:ea typeface=""/>
+        <a:cs typeface=""/>
+        <a:font script="Jpan" typeface="游ゴシック Light"/>
+        <a:font script="Hang" typeface="맑은 고딕"/>
+        <a:font script="Hans" typeface="等线 Light"/>
+        <a:font script="Hant" typeface="新細明體"/>
+        <a:font script="Arab" typeface="Times New Roman"/>
+        <a:font script="Hebr" typeface="Times New Roman"/>
+        <a:font script="Thai" typeface="Angsana New"/>
+        <a:font script="Ethi" typeface="Nyala"/>
+        <a:font script="Beng" typeface="Vrinda"/>
+        <a:font script="Gujr" typeface="Shruti"/>
+        <a:font script="Khmr" typeface="MoolBoran"/>
+        <a:font script="Knda" typeface="Tunga"/>
+        <a:font script="Guru" typeface="Raavi"/>
+        <a:font script="Cans" typeface="Euphemia"/>
+        <a:font script="Cher" typeface="Plantagenet Cherokee"/>
+        <a:font script="Yiii" typeface="Microsoft Yi Baiti"/>
+        <a:font script="Tibt" typeface="Microsoft Himalaya"/>
+        <a:font script="Thaa" typeface="MV Boli"/>
+        <a:font script="Deva" typeface="Mangal"/>
+        <a:font script="Telu" typeface="Gautami"/>
+        <a:font script="Taml" typeface="Latha"/>
+        <a:font script="Syrc" typeface="Estrangelo Edessa"/>
+        <a:font script="Orya" typeface="Kalinga"/>
+        <a:font script="Mlym" typeface="Kartika"/>
+        <a:font script="Laoo" typeface="DokChampa"/>
+        <a:font script="Sinh" typeface="Iskoola Pota"/>
+        <a:font script="Mong" typeface="Mongolian Baiti"/>
+        <a:font script="Viet" typeface="Times New Roman"/>
+        <a:font script="Uigh" typeface="Microsoft Uighur"/>
+        <a:font script="Geor" typeface="Sylfaen"/>
+        <a:font script="Armn" typeface="Arial"/>
+        <a:font script="Bugi" typeface="Leelawadee UI"/>
+        <a:font script="Bopo" typeface="Microsoft JhengHei"/>
+        <a:font script="Java" typeface="Javanese Text"/>
+        <a:font script="Lisu" typeface="Segoe UI"/>
+        <a:font script="Mymr" typeface="Myanmar Text"/>
+        <a:font script="Nkoo" typeface="Ebrima"/>
+        <a:font script="Olck" typeface="Nirmala UI"/>
+        <a:font script="Osma" typeface="Ebrima"/>
+        <a:font script="Phag" typeface="Phagspa"/>
+        <a:font script="Syrn" typeface="Estrangelo Edessa"/>
+        <a:font script="Syrj" typeface="Estrangelo Edessa"/>
+        <a:font script="Syre" typeface="Estrangelo Edessa"/>
+        <a:font script="Sora" typeface="Nirmala UI"/>
+        <a:font script="Tale" typeface="Microsoft Tai Le"/>
+        <a:font script="Talu" typeface="Microsoft New Tai Lue"/>
+        <a:font script="Tfng" typeface="Ebrima"/>
+      </a:majorFont>
+      <a:minorFont>
+        <a:latin typeface="Calibri" panose="020F0502020204030204"/>
+        <a:ea typeface=""/>
+        <a:cs typeface=""/>
+        <a:font script="Jpan" typeface="游ゴシック"/>
+        <a:font script="Hang" typeface="맑은 고딕"/>
+        <a:font script="Hans" typeface="等线"/>
+        <a:font script="Hant" typeface="新細明體"/>
+        <a:font script="Arab" typeface="Arial"/>
+        <a:font script="Hebr" typeface="Arial"/>
+        <a:font script="Thai" typeface="Cordia New"/>
+        <a:font script="Ethi" typeface="Nyala"/>
+        <a:font script="Beng" typeface="Vrinda"/>
+        <a:font script="Gujr" typeface="Shruti"/>
+        <a:font script="Khmr" typeface="DaunPenh"/>
+        <a:font script="Knda" typeface="Tunga"/>
+        <a:font script="Guru" typeface="Raavi"/>
+        <a:font script="Cans" typeface="Euphemia"/>
+        <a:font script="Cher" typeface="Plantagenet Cherokee"/>
+        <a:font script="Yiii" typeface="Microsoft Yi Baiti"/>
+        <a:font script="Tibt" typeface="Microsoft Himalaya"/>
+        <a:font script="Thaa" typeface="MV Boli"/>
+        <a:font script="Deva" typeface="Mangal"/>
+        <a:font script="Telu" typeface="Gautami"/>
+        <a:font script="Taml" typeface="Latha"/>
+        <a:font script="Syrc" typeface="Estrangelo Edessa"/>
+        <a:font script="Orya" typeface="Kalinga"/>
+        <a:font script="Mlym" typeface="Kartika"/>
+        <a:font script="Laoo" typeface="DokChampa"/>
+        <a:font script="Sinh" typeface="Iskoola Pota"/>
+        <a:font script="Mong" typeface="Mongolian Baiti"/>
+        <a:font script="Viet" typeface="Arial"/>
+        <a:font script="Uigh" typeface="Microsoft Uighur"/>
+        <a:font script="Geor" typeface="Sylfaen"/>
+        <a:font script="Armn" typeface="Arial"/>
+        <a:font script="Bugi" typeface="Leelawadee UI"/>
+        <a:font script="Bopo" typeface="Microsoft JhengHei"/>
+        <a:font script="Java" typeface="Javanese Text"/>
+        <a:font script="Lisu" typeface="Segoe UI"/>
+        <a:font script="Mymr" typeface="Myanmar Text"/>
+        <a:font script="Nkoo" typeface="Ebrima"/>
+        <a:font script="Olck" typeface="Nirmala UI"/>
+        <a:font script="Osma" typeface="Ebrima"/>
+        <a:font script="Phag" typeface="Phagspa"/>
+        <a:font script="Syrn" typeface="Estrangelo Edessa"/>
+        <a:font script="Syrj" typeface="Estrangelo Edessa"/>
+        <a:font script="Syre" typeface="Estrangelo Edessa"/>
+        <a:font script="Sora" typeface="Nirmala UI"/>
+        <a:font script="Tale" typeface="Microsoft Tai Le"/>
+        <a:font script="Talu" typeface="Microsoft New Tai Lue"/>
+        <a:font script="Tfng" typeface="Ebrima"/>
+      </a:minorFont>
+    </a:fontScheme>
+    <a:fmtScheme name="Office">
+      <a:fillStyleLst>
+        <a:solidFill>
+          <a:schemeClr val="phClr"/>
+        </a:solidFill>
+        <a:gradFill rotWithShape="1">
+          <a:gsLst>
+            <a:gs pos="0">
+              <a:schemeClr val="phClr">
+                <a:lumMod val="110000"/>
+                <a:satMod val="105000"/>
+                <a:tint val="67000"/>
+              </a:schemeClr>
+            </a:gs>
+            <a:gs pos="50000">
+              <a:schemeClr val="phClr">
+                <a:lumMod val="105000"/>
+                <a:satMod val="103000"/>
+                <a:tint val="73000"/>
+              </a:schemeClr>
+            </a:gs>
+            <a:gs pos="100000">
+              <a:schemeClr val="phClr">
+                <a:lumMod val="105000"/>
+                <a:satMod val="109000"/>
+                <a:tint val="81000"/>
+              </a:schemeClr>
+            </a:gs>
+          </a:gsLst>
+          <a:lin ang="5400000" scaled="0"/>
+        </a:gradFill>
+        <a:gradFill rotWithShape="1">
+          <a:gsLst>
+            <a:gs pos="0">
+              <a:schemeClr val="phClr">
+                <a:satMod val="103000"/>
+                <a:lumMod val="102000"/>
+                <a:tint val="94000"/>
+              </a:schemeClr>
+            </a:gs>
+            <a:gs pos="50000">
+              <a:schemeClr val="phClr">
+                <a:satMod val="110000"/>
+                <a:lumMod val="100000"/>
+                <a:shade val="100000"/>
+              </a:schemeClr>
+            </a:gs>
+            <a:gs pos="100000">
+              <a:schemeClr val="phClr">
+                <a:lumMod val="99000"/>
+                <a:satMod val="120000"/>
+                <a:shade val="78000"/>
+              </a:schemeClr>
+            </a:gs>
+          </a:gsLst>
+          <a:lin ang="5400000" scaled="0"/>
+        </a:gradFill>
+      </a:fillStyleLst>
+      <a:lnStyleLst>
+        <a:ln w="6350" cap="flat" cmpd="sng" algn="ctr">
+          <a:solidFill>
+            <a:schemeClr val="phClr"/>
+          </a:solidFill>
+          <a:prstDash val="solid"/>
+          <a:miter lim="800000"/>
+        </a:ln>
+        <a:ln w="12700" cap="flat" cmpd="sng" algn="ctr">
+          <a:solidFill>
+            <a:schemeClr val="phClr"/>
+          </a:solidFill>
+          <a:prstDash val="solid"/>
+          <a:miter lim="800000"/>
+        </a:ln>
+        <a:ln w="19050" cap="flat" cmpd="sng" algn="ctr">
+          <a:solidFill>
+            <a:schemeClr val="phClr"/>
+          </a:solidFill>
+          <a:prstDash val="solid"/>
+          <a:miter lim="800000"/>
+        </a:ln>
+      </a:lnStyleLst>
+      <a:effectStyleLst>
+        <a:effectStyle>
+          <a:effectLst/>
+        </a:effectStyle>
+        <a:effectStyle>
+          <a:effectLst/>
+        </a:effectStyle>
+        <a:effectStyle>
+          <a:effectLst>
+            <a:outerShdw blurRad="57150" dist="19050" dir="5400000" algn="ctr" rotWithShape="0">
+              <a:srgbClr val="000000">
+                <a:alpha val="63000"/>
+              </a:srgbClr>
+            </a:outerShdw>
+          </a:effectLst>
+        </a:effectStyle>
+      </a:effectStyleLst>
+      <a:bgFillStyleLst>
+        <a:solidFill>
+          <a:schemeClr val="phClr"/>
+        </a:solidFill>
+        <a:solidFill>
+          <a:schemeClr val="phClr">
+            <a:tint val="95000"/>
+            <a:satMod val="170000"/>
+          </a:schemeClr>
+        </a:solidFill>
+        <a:gradFill rotWithShape="1">
+          <a:gsLst>
+            <a:gs pos="0">
+              <a:schemeClr val="phClr">
+                <a:tint val="93000"/>
+                <a:satMod val="150000"/>
+                <a:shade val="98000"/>
+                <a:lumMod val="102000"/>
+              </a:schemeClr>
+            </a:gs>
+            <a:gs pos="50000">
+              <a:schemeClr val="phClr">
+                <a:tint val="98000"/>
+                <a:satMod val="130000"/>
+                <a:shade val="90000"/>
+                <a:lumMod val="103000"/>
+              </a:schemeClr>
+            </a:gs>
+            <a:gs pos="100000">
+              <a:schemeClr val="phClr">
+                <a:shade val="63000"/>
+                <a:satMod val="120000"/>
+              </a:schemeClr>
+            </a:gs>
+          </a:gsLst>
+          <a:lin ang="5400000" scaled="0"/>
+        </a:gradFill>
+      </a:bgFillStyleLst>
+    </a:fmtScheme>
+  </a:themeElements>
+  <a:objectDefaults/>
+  <a:extraClrSchemeLst/>
+  <a:extLst>
+    <a:ext uri="{05A4C25C-085E-4340-85A3-A5531E510DB2}">
+      <thm15:themeFamily xmlns:thm15="http://schemas.microsoft.com/office/thememl/2012/main" name="Office Theme" id="{62F939B6-93AF-4DB8-9C6B-D6C7DFDC589F}" vid="{4A3C46E8-61CC-4603-A589-7422A47A8E4A}"/>
+    </a:ext>
+  </a:extLst>
+</a:theme>
 </file>